--- a/docs/awsservices_ppt.pptx
+++ b/docs/awsservices_ppt.pptx
@@ -554,7 +554,7 @@
             <a:fld id="{28E80666-FB37-4B36-9149-507F3B0178E3}" type="datetimeFigureOut">
               <a:rPr lang="en-US" smtClean="0"/>
               <a:pPr/>
-              <a:t>5/24/2020</a:t>
+              <a:t>5/26/2020</a:t>
             </a:fld>
             <a:endParaRPr lang="en-US"/>
           </a:p>
@@ -768,7 +768,7 @@
             <a:fld id="{28E80666-FB37-4B36-9149-507F3B0178E3}" type="datetimeFigureOut">
               <a:rPr lang="en-US" smtClean="0"/>
               <a:pPr/>
-              <a:t>5/24/2020</a:t>
+              <a:t>5/26/2020</a:t>
             </a:fld>
             <a:endParaRPr lang="en-US"/>
           </a:p>
@@ -957,7 +957,7 @@
             <a:fld id="{28E80666-FB37-4B36-9149-507F3B0178E3}" type="datetimeFigureOut">
               <a:rPr lang="en-US" smtClean="0"/>
               <a:pPr/>
-              <a:t>5/24/2020</a:t>
+              <a:t>5/26/2020</a:t>
             </a:fld>
             <a:endParaRPr lang="en-US"/>
           </a:p>
@@ -1056,7 +1056,7 @@
             <a:fld id="{28E80666-FB37-4B36-9149-507F3B0178E3}" type="datetimeFigureOut">
               <a:rPr lang="en-US" smtClean="0"/>
               <a:pPr/>
-              <a:t>5/24/2020</a:t>
+              <a:t>5/26/2020</a:t>
             </a:fld>
             <a:endParaRPr lang="en-US"/>
           </a:p>
@@ -1654,7 +1654,7 @@
             <a:fld id="{28E80666-FB37-4B36-9149-507F3B0178E3}" type="datetimeFigureOut">
               <a:rPr lang="en-US" smtClean="0"/>
               <a:pPr/>
-              <a:t>5/24/2020</a:t>
+              <a:t>5/26/2020</a:t>
             </a:fld>
             <a:endParaRPr lang="en-US"/>
           </a:p>
@@ -1753,7 +1753,7 @@
             <a:fld id="{28E80666-FB37-4B36-9149-507F3B0178E3}" type="datetimeFigureOut">
               <a:rPr lang="en-US" smtClean="0"/>
               <a:pPr/>
-              <a:t>5/24/2020</a:t>
+              <a:t>5/26/2020</a:t>
             </a:fld>
             <a:endParaRPr lang="en-US"/>
           </a:p>
@@ -2360,7 +2360,7 @@
             <a:fld id="{28E80666-FB37-4B36-9149-507F3B0178E3}" type="datetimeFigureOut">
               <a:rPr lang="en-US" smtClean="0"/>
               <a:pPr/>
-              <a:t>5/24/2020</a:t>
+              <a:t>5/26/2020</a:t>
             </a:fld>
             <a:endParaRPr lang="en-US"/>
           </a:p>
@@ -2505,7 +2505,7 @@
             <a:fld id="{28E80666-FB37-4B36-9149-507F3B0178E3}" type="datetimeFigureOut">
               <a:rPr lang="en-US" smtClean="0"/>
               <a:pPr/>
-              <a:t>5/24/2020</a:t>
+              <a:t>5/26/2020</a:t>
             </a:fld>
             <a:endParaRPr lang="en-US"/>
           </a:p>
@@ -2604,7 +2604,7 @@
             <a:fld id="{28E80666-FB37-4B36-9149-507F3B0178E3}" type="datetimeFigureOut">
               <a:rPr lang="en-US" smtClean="0"/>
               <a:pPr/>
-              <a:t>5/24/2020</a:t>
+              <a:t>5/26/2020</a:t>
             </a:fld>
             <a:endParaRPr lang="en-US"/>
           </a:p>
@@ -2890,7 +2890,7 @@
             <a:fld id="{28E80666-FB37-4B36-9149-507F3B0178E3}" type="datetimeFigureOut">
               <a:rPr lang="en-US" smtClean="0"/>
               <a:pPr/>
-              <a:t>5/24/2020</a:t>
+              <a:t>5/26/2020</a:t>
             </a:fld>
             <a:endParaRPr lang="en-US"/>
           </a:p>
@@ -3414,7 +3414,7 @@
             <a:fld id="{28E80666-FB37-4B36-9149-507F3B0178E3}" type="datetimeFigureOut">
               <a:rPr lang="en-US" smtClean="0"/>
               <a:pPr/>
-              <a:t>5/24/2020</a:t>
+              <a:t>5/26/2020</a:t>
             </a:fld>
             <a:endParaRPr lang="en-US"/>
           </a:p>
@@ -3936,7 +3936,7 @@
             <a:fld id="{28E80666-FB37-4B36-9149-507F3B0178E3}" type="datetimeFigureOut">
               <a:rPr lang="en-US" smtClean="0"/>
               <a:pPr/>
-              <a:t>5/24/2020</a:t>
+              <a:t>5/26/2020</a:t>
             </a:fld>
             <a:endParaRPr lang="en-US" dirty="0"/>
           </a:p>
@@ -4682,7 +4682,7 @@
                 <a:hlinkClick r:id="rId2">
                   <a:extLst>
                     <a:ext uri="{A12FA001-AC4F-418D-AE19-62706E023703}">
-                      <ahyp:hlinkClr xmlns="" xmlns:ahyp="http://schemas.microsoft.com/office/drawing/2018/hyperlinkcolor" xmlns:lc="http://schemas.openxmlformats.org/drawingml/2006/lockedCanvas" val="tx"/>
+                      <ahyp:hlinkClr xmlns:lc="http://schemas.openxmlformats.org/drawingml/2006/lockedCanvas" xmlns:ahyp="http://schemas.microsoft.com/office/drawing/2018/hyperlinkcolor" xmlns="" val="tx"/>
                     </a:ext>
                   </a:extLst>
                 </a:hlinkClick>
@@ -4697,7 +4697,7 @@
                 <a:hlinkClick r:id="rId2">
                   <a:extLst>
                     <a:ext uri="{A12FA001-AC4F-418D-AE19-62706E023703}">
-                      <ahyp:hlinkClr xmlns="" xmlns:ahyp="http://schemas.microsoft.com/office/drawing/2018/hyperlinkcolor" xmlns:lc="http://schemas.openxmlformats.org/drawingml/2006/lockedCanvas" val="tx"/>
+                      <ahyp:hlinkClr xmlns:lc="http://schemas.openxmlformats.org/drawingml/2006/lockedCanvas" xmlns:ahyp="http://schemas.microsoft.com/office/drawing/2018/hyperlinkcolor" xmlns="" val="tx"/>
                     </a:ext>
                   </a:extLst>
                 </a:hlinkClick>
@@ -4727,7 +4727,7 @@
                 <a:hlinkClick r:id="rId3">
                   <a:extLst>
                     <a:ext uri="{A12FA001-AC4F-418D-AE19-62706E023703}">
-                      <ahyp:hlinkClr xmlns="" xmlns:ahyp="http://schemas.microsoft.com/office/drawing/2018/hyperlinkcolor" xmlns:lc="http://schemas.openxmlformats.org/drawingml/2006/lockedCanvas" val="tx"/>
+                      <ahyp:hlinkClr xmlns:lc="http://schemas.openxmlformats.org/drawingml/2006/lockedCanvas" xmlns:ahyp="http://schemas.microsoft.com/office/drawing/2018/hyperlinkcolor" xmlns="" val="tx"/>
                     </a:ext>
                   </a:extLst>
                 </a:hlinkClick>
@@ -4742,7 +4742,7 @@
                 <a:hlinkClick r:id="rId3">
                   <a:extLst>
                     <a:ext uri="{A12FA001-AC4F-418D-AE19-62706E023703}">
-                      <ahyp:hlinkClr xmlns="" xmlns:ahyp="http://schemas.microsoft.com/office/drawing/2018/hyperlinkcolor" xmlns:lc="http://schemas.openxmlformats.org/drawingml/2006/lockedCanvas" val="tx"/>
+                      <ahyp:hlinkClr xmlns:lc="http://schemas.openxmlformats.org/drawingml/2006/lockedCanvas" xmlns:ahyp="http://schemas.microsoft.com/office/drawing/2018/hyperlinkcolor" xmlns="" val="tx"/>
                     </a:ext>
                   </a:extLst>
                 </a:hlinkClick>
@@ -4772,7 +4772,7 @@
                 <a:hlinkClick r:id="rId4">
                   <a:extLst>
                     <a:ext uri="{A12FA001-AC4F-418D-AE19-62706E023703}">
-                      <ahyp:hlinkClr xmlns="" xmlns:ahyp="http://schemas.microsoft.com/office/drawing/2018/hyperlinkcolor" xmlns:lc="http://schemas.openxmlformats.org/drawingml/2006/lockedCanvas" val="tx"/>
+                      <ahyp:hlinkClr xmlns:lc="http://schemas.openxmlformats.org/drawingml/2006/lockedCanvas" xmlns:ahyp="http://schemas.microsoft.com/office/drawing/2018/hyperlinkcolor" xmlns="" val="tx"/>
                     </a:ext>
                   </a:extLst>
                 </a:hlinkClick>
@@ -4802,7 +4802,7 @@
                 <a:hlinkClick r:id="rId5">
                   <a:extLst>
                     <a:ext uri="{A12FA001-AC4F-418D-AE19-62706E023703}">
-                      <ahyp:hlinkClr xmlns="" xmlns:ahyp="http://schemas.microsoft.com/office/drawing/2018/hyperlinkcolor" xmlns:lc="http://schemas.openxmlformats.org/drawingml/2006/lockedCanvas" val="tx"/>
+                      <ahyp:hlinkClr xmlns:lc="http://schemas.openxmlformats.org/drawingml/2006/lockedCanvas" xmlns:ahyp="http://schemas.microsoft.com/office/drawing/2018/hyperlinkcolor" xmlns="" val="tx"/>
                     </a:ext>
                   </a:extLst>
                 </a:hlinkClick>
@@ -4832,7 +4832,7 @@
                 <a:hlinkClick r:id="rId6">
                   <a:extLst>
                     <a:ext uri="{A12FA001-AC4F-418D-AE19-62706E023703}">
-                      <ahyp:hlinkClr xmlns="" xmlns:ahyp="http://schemas.microsoft.com/office/drawing/2018/hyperlinkcolor" xmlns:lc="http://schemas.openxmlformats.org/drawingml/2006/lockedCanvas" val="tx"/>
+                      <ahyp:hlinkClr xmlns:lc="http://schemas.openxmlformats.org/drawingml/2006/lockedCanvas" xmlns:ahyp="http://schemas.microsoft.com/office/drawing/2018/hyperlinkcolor" xmlns="" val="tx"/>
                     </a:ext>
                   </a:extLst>
                 </a:hlinkClick>
@@ -4862,7 +4862,7 @@
                 <a:hlinkClick r:id="rId7">
                   <a:extLst>
                     <a:ext uri="{A12FA001-AC4F-418D-AE19-62706E023703}">
-                      <ahyp:hlinkClr xmlns="" xmlns:ahyp="http://schemas.microsoft.com/office/drawing/2018/hyperlinkcolor" xmlns:lc="http://schemas.openxmlformats.org/drawingml/2006/lockedCanvas" val="tx"/>
+                      <ahyp:hlinkClr xmlns:lc="http://schemas.openxmlformats.org/drawingml/2006/lockedCanvas" xmlns:ahyp="http://schemas.microsoft.com/office/drawing/2018/hyperlinkcolor" xmlns="" val="tx"/>
                     </a:ext>
                   </a:extLst>
                 </a:hlinkClick>
@@ -4892,7 +4892,7 @@
                 <a:hlinkClick r:id="rId8">
                   <a:extLst>
                     <a:ext uri="{A12FA001-AC4F-418D-AE19-62706E023703}">
-                      <ahyp:hlinkClr xmlns="" xmlns:ahyp="http://schemas.microsoft.com/office/drawing/2018/hyperlinkcolor" xmlns:lc="http://schemas.openxmlformats.org/drawingml/2006/lockedCanvas" val="tx"/>
+                      <ahyp:hlinkClr xmlns:lc="http://schemas.openxmlformats.org/drawingml/2006/lockedCanvas" xmlns:ahyp="http://schemas.microsoft.com/office/drawing/2018/hyperlinkcolor" xmlns="" val="tx"/>
                     </a:ext>
                   </a:extLst>
                 </a:hlinkClick>
@@ -4907,7 +4907,7 @@
                 <a:hlinkClick r:id="rId8">
                   <a:extLst>
                     <a:ext uri="{A12FA001-AC4F-418D-AE19-62706E023703}">
-                      <ahyp:hlinkClr xmlns="" xmlns:ahyp="http://schemas.microsoft.com/office/drawing/2018/hyperlinkcolor" xmlns:lc="http://schemas.openxmlformats.org/drawingml/2006/lockedCanvas" val="tx"/>
+                      <ahyp:hlinkClr xmlns:lc="http://schemas.openxmlformats.org/drawingml/2006/lockedCanvas" xmlns:ahyp="http://schemas.microsoft.com/office/drawing/2018/hyperlinkcolor" xmlns="" val="tx"/>
                     </a:ext>
                   </a:extLst>
                 </a:hlinkClick>
@@ -4937,7 +4937,7 @@
                 <a:hlinkClick r:id="rId9">
                   <a:extLst>
                     <a:ext uri="{A12FA001-AC4F-418D-AE19-62706E023703}">
-                      <ahyp:hlinkClr xmlns="" xmlns:ahyp="http://schemas.microsoft.com/office/drawing/2018/hyperlinkcolor" xmlns:lc="http://schemas.openxmlformats.org/drawingml/2006/lockedCanvas" val="tx"/>
+                      <ahyp:hlinkClr xmlns:lc="http://schemas.openxmlformats.org/drawingml/2006/lockedCanvas" xmlns:ahyp="http://schemas.microsoft.com/office/drawing/2018/hyperlinkcolor" xmlns="" val="tx"/>
                     </a:ext>
                   </a:extLst>
                 </a:hlinkClick>
@@ -4967,7 +4967,7 @@
                 <a:hlinkClick r:id="rId10">
                   <a:extLst>
                     <a:ext uri="{A12FA001-AC4F-418D-AE19-62706E023703}">
-                      <ahyp:hlinkClr xmlns="" xmlns:ahyp="http://schemas.microsoft.com/office/drawing/2018/hyperlinkcolor" xmlns:lc="http://schemas.openxmlformats.org/drawingml/2006/lockedCanvas" val="tx"/>
+                      <ahyp:hlinkClr xmlns:lc="http://schemas.openxmlformats.org/drawingml/2006/lockedCanvas" xmlns:ahyp="http://schemas.microsoft.com/office/drawing/2018/hyperlinkcolor" xmlns="" val="tx"/>
                     </a:ext>
                   </a:extLst>
                 </a:hlinkClick>
@@ -4997,7 +4997,7 @@
                 <a:hlinkClick r:id="rId11">
                   <a:extLst>
                     <a:ext uri="{A12FA001-AC4F-418D-AE19-62706E023703}">
-                      <ahyp:hlinkClr xmlns="" xmlns:ahyp="http://schemas.microsoft.com/office/drawing/2018/hyperlinkcolor" xmlns:lc="http://schemas.openxmlformats.org/drawingml/2006/lockedCanvas" val="tx"/>
+                      <ahyp:hlinkClr xmlns:lc="http://schemas.openxmlformats.org/drawingml/2006/lockedCanvas" xmlns:ahyp="http://schemas.microsoft.com/office/drawing/2018/hyperlinkcolor" xmlns="" val="tx"/>
                     </a:ext>
                   </a:extLst>
                 </a:hlinkClick>
@@ -5027,7 +5027,7 @@
                 <a:hlinkClick r:id="rId12">
                   <a:extLst>
                     <a:ext uri="{A12FA001-AC4F-418D-AE19-62706E023703}">
-                      <ahyp:hlinkClr xmlns="" xmlns:ahyp="http://schemas.microsoft.com/office/drawing/2018/hyperlinkcolor" xmlns:lc="http://schemas.openxmlformats.org/drawingml/2006/lockedCanvas" val="tx"/>
+                      <ahyp:hlinkClr xmlns:lc="http://schemas.openxmlformats.org/drawingml/2006/lockedCanvas" xmlns:ahyp="http://schemas.microsoft.com/office/drawing/2018/hyperlinkcolor" xmlns="" val="tx"/>
                     </a:ext>
                   </a:extLst>
                 </a:hlinkClick>
@@ -5042,7 +5042,7 @@
                 <a:hlinkClick r:id="rId12">
                   <a:extLst>
                     <a:ext uri="{A12FA001-AC4F-418D-AE19-62706E023703}">
-                      <ahyp:hlinkClr xmlns="" xmlns:ahyp="http://schemas.microsoft.com/office/drawing/2018/hyperlinkcolor" xmlns:lc="http://schemas.openxmlformats.org/drawingml/2006/lockedCanvas" val="tx"/>
+                      <ahyp:hlinkClr xmlns:lc="http://schemas.openxmlformats.org/drawingml/2006/lockedCanvas" xmlns:ahyp="http://schemas.microsoft.com/office/drawing/2018/hyperlinkcolor" xmlns="" val="tx"/>
                     </a:ext>
                   </a:extLst>
                 </a:hlinkClick>
@@ -5072,7 +5072,7 @@
                 <a:hlinkClick r:id="rId13">
                   <a:extLst>
                     <a:ext uri="{A12FA001-AC4F-418D-AE19-62706E023703}">
-                      <ahyp:hlinkClr xmlns="" xmlns:ahyp="http://schemas.microsoft.com/office/drawing/2018/hyperlinkcolor" xmlns:lc="http://schemas.openxmlformats.org/drawingml/2006/lockedCanvas" val="tx"/>
+                      <ahyp:hlinkClr xmlns:lc="http://schemas.openxmlformats.org/drawingml/2006/lockedCanvas" xmlns:ahyp="http://schemas.microsoft.com/office/drawing/2018/hyperlinkcolor" xmlns="" val="tx"/>
                     </a:ext>
                   </a:extLst>
                 </a:hlinkClick>
@@ -5087,7 +5087,7 @@
                 <a:hlinkClick r:id="rId13">
                   <a:extLst>
                     <a:ext uri="{A12FA001-AC4F-418D-AE19-62706E023703}">
-                      <ahyp:hlinkClr xmlns="" xmlns:ahyp="http://schemas.microsoft.com/office/drawing/2018/hyperlinkcolor" xmlns:lc="http://schemas.openxmlformats.org/drawingml/2006/lockedCanvas" val="tx"/>
+                      <ahyp:hlinkClr xmlns:lc="http://schemas.openxmlformats.org/drawingml/2006/lockedCanvas" xmlns:ahyp="http://schemas.microsoft.com/office/drawing/2018/hyperlinkcolor" xmlns="" val="tx"/>
                     </a:ext>
                   </a:extLst>
                 </a:hlinkClick>
@@ -5117,7 +5117,7 @@
                 <a:hlinkClick r:id="rId14">
                   <a:extLst>
                     <a:ext uri="{A12FA001-AC4F-418D-AE19-62706E023703}">
-                      <ahyp:hlinkClr xmlns="" xmlns:ahyp="http://schemas.microsoft.com/office/drawing/2018/hyperlinkcolor" xmlns:lc="http://schemas.openxmlformats.org/drawingml/2006/lockedCanvas" val="tx"/>
+                      <ahyp:hlinkClr xmlns:lc="http://schemas.openxmlformats.org/drawingml/2006/lockedCanvas" xmlns:ahyp="http://schemas.microsoft.com/office/drawing/2018/hyperlinkcolor" xmlns="" val="tx"/>
                     </a:ext>
                   </a:extLst>
                 </a:hlinkClick>
@@ -5147,7 +5147,7 @@
                 <a:hlinkClick r:id="rId15">
                   <a:extLst>
                     <a:ext uri="{A12FA001-AC4F-418D-AE19-62706E023703}">
-                      <ahyp:hlinkClr xmlns="" xmlns:ahyp="http://schemas.microsoft.com/office/drawing/2018/hyperlinkcolor" xmlns:lc="http://schemas.openxmlformats.org/drawingml/2006/lockedCanvas" val="tx"/>
+                      <ahyp:hlinkClr xmlns:lc="http://schemas.openxmlformats.org/drawingml/2006/lockedCanvas" xmlns:ahyp="http://schemas.microsoft.com/office/drawing/2018/hyperlinkcolor" xmlns="" val="tx"/>
                     </a:ext>
                   </a:extLst>
                 </a:hlinkClick>
@@ -5177,7 +5177,7 @@
                 <a:hlinkClick r:id="rId16">
                   <a:extLst>
                     <a:ext uri="{A12FA001-AC4F-418D-AE19-62706E023703}">
-                      <ahyp:hlinkClr xmlns="" xmlns:ahyp="http://schemas.microsoft.com/office/drawing/2018/hyperlinkcolor" xmlns:lc="http://schemas.openxmlformats.org/drawingml/2006/lockedCanvas" val="tx"/>
+                      <ahyp:hlinkClr xmlns:lc="http://schemas.openxmlformats.org/drawingml/2006/lockedCanvas" xmlns:ahyp="http://schemas.microsoft.com/office/drawing/2018/hyperlinkcolor" xmlns="" val="tx"/>
                     </a:ext>
                   </a:extLst>
                 </a:hlinkClick>
@@ -5192,7 +5192,7 @@
                 <a:hlinkClick r:id="rId16">
                   <a:extLst>
                     <a:ext uri="{A12FA001-AC4F-418D-AE19-62706E023703}">
-                      <ahyp:hlinkClr xmlns="" xmlns:ahyp="http://schemas.microsoft.com/office/drawing/2018/hyperlinkcolor" xmlns:lc="http://schemas.openxmlformats.org/drawingml/2006/lockedCanvas" val="tx"/>
+                      <ahyp:hlinkClr xmlns:lc="http://schemas.openxmlformats.org/drawingml/2006/lockedCanvas" xmlns:ahyp="http://schemas.microsoft.com/office/drawing/2018/hyperlinkcolor" xmlns="" val="tx"/>
                     </a:ext>
                   </a:extLst>
                 </a:hlinkClick>
@@ -5222,7 +5222,7 @@
                 <a:hlinkClick r:id="rId17">
                   <a:extLst>
                     <a:ext uri="{A12FA001-AC4F-418D-AE19-62706E023703}">
-                      <ahyp:hlinkClr xmlns="" xmlns:ahyp="http://schemas.microsoft.com/office/drawing/2018/hyperlinkcolor" xmlns:lc="http://schemas.openxmlformats.org/drawingml/2006/lockedCanvas" val="tx"/>
+                      <ahyp:hlinkClr xmlns:lc="http://schemas.openxmlformats.org/drawingml/2006/lockedCanvas" xmlns:ahyp="http://schemas.microsoft.com/office/drawing/2018/hyperlinkcolor" xmlns="" val="tx"/>
                     </a:ext>
                   </a:extLst>
                 </a:hlinkClick>
@@ -5237,7 +5237,7 @@
                 <a:hlinkClick r:id="rId17">
                   <a:extLst>
                     <a:ext uri="{A12FA001-AC4F-418D-AE19-62706E023703}">
-                      <ahyp:hlinkClr xmlns="" xmlns:ahyp="http://schemas.microsoft.com/office/drawing/2018/hyperlinkcolor" xmlns:lc="http://schemas.openxmlformats.org/drawingml/2006/lockedCanvas" val="tx"/>
+                      <ahyp:hlinkClr xmlns:lc="http://schemas.openxmlformats.org/drawingml/2006/lockedCanvas" xmlns:ahyp="http://schemas.microsoft.com/office/drawing/2018/hyperlinkcolor" xmlns="" val="tx"/>
                     </a:ext>
                   </a:extLst>
                 </a:hlinkClick>
@@ -5267,7 +5267,7 @@
                 <a:hlinkClick r:id="rId18">
                   <a:extLst>
                     <a:ext uri="{A12FA001-AC4F-418D-AE19-62706E023703}">
-                      <ahyp:hlinkClr xmlns="" xmlns:ahyp="http://schemas.microsoft.com/office/drawing/2018/hyperlinkcolor" xmlns:lc="http://schemas.openxmlformats.org/drawingml/2006/lockedCanvas" val="tx"/>
+                      <ahyp:hlinkClr xmlns:lc="http://schemas.openxmlformats.org/drawingml/2006/lockedCanvas" xmlns:ahyp="http://schemas.microsoft.com/office/drawing/2018/hyperlinkcolor" xmlns="" val="tx"/>
                     </a:ext>
                   </a:extLst>
                 </a:hlinkClick>
@@ -5297,7 +5297,7 @@
                 <a:hlinkClick r:id="rId19">
                   <a:extLst>
                     <a:ext uri="{A12FA001-AC4F-418D-AE19-62706E023703}">
-                      <ahyp:hlinkClr xmlns="" xmlns:ahyp="http://schemas.microsoft.com/office/drawing/2018/hyperlinkcolor" xmlns:lc="http://schemas.openxmlformats.org/drawingml/2006/lockedCanvas" val="tx"/>
+                      <ahyp:hlinkClr xmlns:lc="http://schemas.openxmlformats.org/drawingml/2006/lockedCanvas" xmlns:ahyp="http://schemas.microsoft.com/office/drawing/2018/hyperlinkcolor" xmlns="" val="tx"/>
                     </a:ext>
                   </a:extLst>
                 </a:hlinkClick>
@@ -5312,7 +5312,7 @@
                 <a:hlinkClick r:id="rId19">
                   <a:extLst>
                     <a:ext uri="{A12FA001-AC4F-418D-AE19-62706E023703}">
-                      <ahyp:hlinkClr xmlns="" xmlns:ahyp="http://schemas.microsoft.com/office/drawing/2018/hyperlinkcolor" xmlns:lc="http://schemas.openxmlformats.org/drawingml/2006/lockedCanvas" val="tx"/>
+                      <ahyp:hlinkClr xmlns:lc="http://schemas.openxmlformats.org/drawingml/2006/lockedCanvas" xmlns:ahyp="http://schemas.microsoft.com/office/drawing/2018/hyperlinkcolor" xmlns="" val="tx"/>
                     </a:ext>
                   </a:extLst>
                 </a:hlinkClick>
@@ -5423,7 +5423,7 @@
                 <a:hlinkClick r:id="rId2">
                   <a:extLst>
                     <a:ext uri="{A12FA001-AC4F-418D-AE19-62706E023703}">
-                      <ahyp:hlinkClr xmlns="" xmlns:ahyp="http://schemas.microsoft.com/office/drawing/2018/hyperlinkcolor" xmlns:lc="http://schemas.openxmlformats.org/drawingml/2006/lockedCanvas" val="tx"/>
+                      <ahyp:hlinkClr xmlns:lc="http://schemas.openxmlformats.org/drawingml/2006/lockedCanvas" xmlns:ahyp="http://schemas.microsoft.com/office/drawing/2018/hyperlinkcolor" xmlns="" val="tx"/>
                     </a:ext>
                   </a:extLst>
                 </a:hlinkClick>
@@ -5453,7 +5453,7 @@
                 <a:hlinkClick r:id="rId3">
                   <a:extLst>
                     <a:ext uri="{A12FA001-AC4F-418D-AE19-62706E023703}">
-                      <ahyp:hlinkClr xmlns="" xmlns:ahyp="http://schemas.microsoft.com/office/drawing/2018/hyperlinkcolor" xmlns:lc="http://schemas.openxmlformats.org/drawingml/2006/lockedCanvas" val="tx"/>
+                      <ahyp:hlinkClr xmlns:lc="http://schemas.openxmlformats.org/drawingml/2006/lockedCanvas" xmlns:ahyp="http://schemas.microsoft.com/office/drawing/2018/hyperlinkcolor" xmlns="" val="tx"/>
                     </a:ext>
                   </a:extLst>
                 </a:hlinkClick>
@@ -5483,7 +5483,7 @@
                 <a:hlinkClick r:id="rId4">
                   <a:extLst>
                     <a:ext uri="{A12FA001-AC4F-418D-AE19-62706E023703}">
-                      <ahyp:hlinkClr xmlns="" xmlns:ahyp="http://schemas.microsoft.com/office/drawing/2018/hyperlinkcolor" xmlns:lc="http://schemas.openxmlformats.org/drawingml/2006/lockedCanvas" val="tx"/>
+                      <ahyp:hlinkClr xmlns:lc="http://schemas.openxmlformats.org/drawingml/2006/lockedCanvas" xmlns:ahyp="http://schemas.microsoft.com/office/drawing/2018/hyperlinkcolor" xmlns="" val="tx"/>
                     </a:ext>
                   </a:extLst>
                 </a:hlinkClick>
@@ -5513,7 +5513,7 @@
                 <a:hlinkClick r:id="rId5">
                   <a:extLst>
                     <a:ext uri="{A12FA001-AC4F-418D-AE19-62706E023703}">
-                      <ahyp:hlinkClr xmlns="" xmlns:ahyp="http://schemas.microsoft.com/office/drawing/2018/hyperlinkcolor" xmlns:lc="http://schemas.openxmlformats.org/drawingml/2006/lockedCanvas" val="tx"/>
+                      <ahyp:hlinkClr xmlns:lc="http://schemas.openxmlformats.org/drawingml/2006/lockedCanvas" xmlns:ahyp="http://schemas.microsoft.com/office/drawing/2018/hyperlinkcolor" xmlns="" val="tx"/>
                     </a:ext>
                   </a:extLst>
                 </a:hlinkClick>
@@ -5528,7 +5528,7 @@
                 <a:hlinkClick r:id="rId5">
                   <a:extLst>
                     <a:ext uri="{A12FA001-AC4F-418D-AE19-62706E023703}">
-                      <ahyp:hlinkClr xmlns="" xmlns:ahyp="http://schemas.microsoft.com/office/drawing/2018/hyperlinkcolor" xmlns:lc="http://schemas.openxmlformats.org/drawingml/2006/lockedCanvas" val="tx"/>
+                      <ahyp:hlinkClr xmlns:lc="http://schemas.openxmlformats.org/drawingml/2006/lockedCanvas" xmlns:ahyp="http://schemas.microsoft.com/office/drawing/2018/hyperlinkcolor" xmlns="" val="tx"/>
                     </a:ext>
                   </a:extLst>
                 </a:hlinkClick>
@@ -5558,7 +5558,7 @@
                 <a:hlinkClick r:id="rId6">
                   <a:extLst>
                     <a:ext uri="{A12FA001-AC4F-418D-AE19-62706E023703}">
-                      <ahyp:hlinkClr xmlns="" xmlns:ahyp="http://schemas.microsoft.com/office/drawing/2018/hyperlinkcolor" xmlns:lc="http://schemas.openxmlformats.org/drawingml/2006/lockedCanvas" val="tx"/>
+                      <ahyp:hlinkClr xmlns:lc="http://schemas.openxmlformats.org/drawingml/2006/lockedCanvas" xmlns:ahyp="http://schemas.microsoft.com/office/drawing/2018/hyperlinkcolor" xmlns="" val="tx"/>
                     </a:ext>
                   </a:extLst>
                 </a:hlinkClick>
@@ -5588,7 +5588,7 @@
                 <a:hlinkClick r:id="rId7">
                   <a:extLst>
                     <a:ext uri="{A12FA001-AC4F-418D-AE19-62706E023703}">
-                      <ahyp:hlinkClr xmlns="" xmlns:ahyp="http://schemas.microsoft.com/office/drawing/2018/hyperlinkcolor" xmlns:lc="http://schemas.openxmlformats.org/drawingml/2006/lockedCanvas" val="tx"/>
+                      <ahyp:hlinkClr xmlns:lc="http://schemas.openxmlformats.org/drawingml/2006/lockedCanvas" xmlns:ahyp="http://schemas.microsoft.com/office/drawing/2018/hyperlinkcolor" xmlns="" val="tx"/>
                     </a:ext>
                   </a:extLst>
                 </a:hlinkClick>
@@ -5618,7 +5618,7 @@
                 <a:hlinkClick r:id="rId8">
                   <a:extLst>
                     <a:ext uri="{A12FA001-AC4F-418D-AE19-62706E023703}">
-                      <ahyp:hlinkClr xmlns="" xmlns:ahyp="http://schemas.microsoft.com/office/drawing/2018/hyperlinkcolor" xmlns:lc="http://schemas.openxmlformats.org/drawingml/2006/lockedCanvas" val="tx"/>
+                      <ahyp:hlinkClr xmlns:lc="http://schemas.openxmlformats.org/drawingml/2006/lockedCanvas" xmlns:ahyp="http://schemas.microsoft.com/office/drawing/2018/hyperlinkcolor" xmlns="" val="tx"/>
                     </a:ext>
                   </a:extLst>
                 </a:hlinkClick>
@@ -5648,7 +5648,7 @@
                 <a:hlinkClick r:id="rId9">
                   <a:extLst>
                     <a:ext uri="{A12FA001-AC4F-418D-AE19-62706E023703}">
-                      <ahyp:hlinkClr xmlns="" xmlns:ahyp="http://schemas.microsoft.com/office/drawing/2018/hyperlinkcolor" xmlns:lc="http://schemas.openxmlformats.org/drawingml/2006/lockedCanvas" val="tx"/>
+                      <ahyp:hlinkClr xmlns:lc="http://schemas.openxmlformats.org/drawingml/2006/lockedCanvas" xmlns:ahyp="http://schemas.microsoft.com/office/drawing/2018/hyperlinkcolor" xmlns="" val="tx"/>
                     </a:ext>
                   </a:extLst>
                 </a:hlinkClick>
@@ -5678,7 +5678,7 @@
                 <a:hlinkClick r:id="rId10">
                   <a:extLst>
                     <a:ext uri="{A12FA001-AC4F-418D-AE19-62706E023703}">
-                      <ahyp:hlinkClr xmlns="" xmlns:ahyp="http://schemas.microsoft.com/office/drawing/2018/hyperlinkcolor" xmlns:lc="http://schemas.openxmlformats.org/drawingml/2006/lockedCanvas" val="tx"/>
+                      <ahyp:hlinkClr xmlns:lc="http://schemas.openxmlformats.org/drawingml/2006/lockedCanvas" xmlns:ahyp="http://schemas.microsoft.com/office/drawing/2018/hyperlinkcolor" xmlns="" val="tx"/>
                     </a:ext>
                   </a:extLst>
                 </a:hlinkClick>
@@ -5708,7 +5708,7 @@
                 <a:hlinkClick r:id="rId11">
                   <a:extLst>
                     <a:ext uri="{A12FA001-AC4F-418D-AE19-62706E023703}">
-                      <ahyp:hlinkClr xmlns="" xmlns:ahyp="http://schemas.microsoft.com/office/drawing/2018/hyperlinkcolor" xmlns:lc="http://schemas.openxmlformats.org/drawingml/2006/lockedCanvas" val="tx"/>
+                      <ahyp:hlinkClr xmlns:lc="http://schemas.openxmlformats.org/drawingml/2006/lockedCanvas" xmlns:ahyp="http://schemas.microsoft.com/office/drawing/2018/hyperlinkcolor" xmlns="" val="tx"/>
                     </a:ext>
                   </a:extLst>
                 </a:hlinkClick>
@@ -5738,7 +5738,7 @@
                 <a:hlinkClick r:id="rId12">
                   <a:extLst>
                     <a:ext uri="{A12FA001-AC4F-418D-AE19-62706E023703}">
-                      <ahyp:hlinkClr xmlns="" xmlns:ahyp="http://schemas.microsoft.com/office/drawing/2018/hyperlinkcolor" xmlns:lc="http://schemas.openxmlformats.org/drawingml/2006/lockedCanvas" val="tx"/>
+                      <ahyp:hlinkClr xmlns:lc="http://schemas.openxmlformats.org/drawingml/2006/lockedCanvas" xmlns:ahyp="http://schemas.microsoft.com/office/drawing/2018/hyperlinkcolor" xmlns="" val="tx"/>
                     </a:ext>
                   </a:extLst>
                 </a:hlinkClick>
@@ -5862,7 +5862,7 @@
                 <a:hlinkClick r:id="rId2">
                   <a:extLst>
                     <a:ext uri="{A12FA001-AC4F-418D-AE19-62706E023703}">
-                      <ahyp:hlinkClr xmlns="" xmlns:ahyp="http://schemas.microsoft.com/office/drawing/2018/hyperlinkcolor" xmlns:lc="http://schemas.openxmlformats.org/drawingml/2006/lockedCanvas" val="tx"/>
+                      <ahyp:hlinkClr xmlns:lc="http://schemas.openxmlformats.org/drawingml/2006/lockedCanvas" xmlns:ahyp="http://schemas.microsoft.com/office/drawing/2018/hyperlinkcolor" xmlns="" val="tx"/>
                     </a:ext>
                   </a:extLst>
                 </a:hlinkClick>
@@ -5892,7 +5892,7 @@
                 <a:hlinkClick r:id="rId3">
                   <a:extLst>
                     <a:ext uri="{A12FA001-AC4F-418D-AE19-62706E023703}">
-                      <ahyp:hlinkClr xmlns="" xmlns:ahyp="http://schemas.microsoft.com/office/drawing/2018/hyperlinkcolor" xmlns:lc="http://schemas.openxmlformats.org/drawingml/2006/lockedCanvas" val="tx"/>
+                      <ahyp:hlinkClr xmlns:lc="http://schemas.openxmlformats.org/drawingml/2006/lockedCanvas" xmlns:ahyp="http://schemas.microsoft.com/office/drawing/2018/hyperlinkcolor" xmlns="" val="tx"/>
                     </a:ext>
                   </a:extLst>
                 </a:hlinkClick>
@@ -5922,7 +5922,7 @@
                 <a:hlinkClick r:id="rId4">
                   <a:extLst>
                     <a:ext uri="{A12FA001-AC4F-418D-AE19-62706E023703}">
-                      <ahyp:hlinkClr xmlns="" xmlns:ahyp="http://schemas.microsoft.com/office/drawing/2018/hyperlinkcolor" xmlns:lc="http://schemas.openxmlformats.org/drawingml/2006/lockedCanvas" val="tx"/>
+                      <ahyp:hlinkClr xmlns:lc="http://schemas.openxmlformats.org/drawingml/2006/lockedCanvas" xmlns:ahyp="http://schemas.microsoft.com/office/drawing/2018/hyperlinkcolor" xmlns="" val="tx"/>
                     </a:ext>
                   </a:extLst>
                 </a:hlinkClick>
@@ -5952,7 +5952,7 @@
                 <a:hlinkClick r:id="rId5">
                   <a:extLst>
                     <a:ext uri="{A12FA001-AC4F-418D-AE19-62706E023703}">
-                      <ahyp:hlinkClr xmlns="" xmlns:ahyp="http://schemas.microsoft.com/office/drawing/2018/hyperlinkcolor" xmlns:lc="http://schemas.openxmlformats.org/drawingml/2006/lockedCanvas" val="tx"/>
+                      <ahyp:hlinkClr xmlns:lc="http://schemas.openxmlformats.org/drawingml/2006/lockedCanvas" xmlns:ahyp="http://schemas.microsoft.com/office/drawing/2018/hyperlinkcolor" xmlns="" val="tx"/>
                     </a:ext>
                   </a:extLst>
                 </a:hlinkClick>
@@ -5982,7 +5982,7 @@
                 <a:hlinkClick r:id="rId6">
                   <a:extLst>
                     <a:ext uri="{A12FA001-AC4F-418D-AE19-62706E023703}">
-                      <ahyp:hlinkClr xmlns="" xmlns:ahyp="http://schemas.microsoft.com/office/drawing/2018/hyperlinkcolor" xmlns:lc="http://schemas.openxmlformats.org/drawingml/2006/lockedCanvas" val="tx"/>
+                      <ahyp:hlinkClr xmlns:lc="http://schemas.openxmlformats.org/drawingml/2006/lockedCanvas" xmlns:ahyp="http://schemas.microsoft.com/office/drawing/2018/hyperlinkcolor" xmlns="" val="tx"/>
                     </a:ext>
                   </a:extLst>
                 </a:hlinkClick>
@@ -6012,7 +6012,7 @@
                 <a:hlinkClick r:id="rId7">
                   <a:extLst>
                     <a:ext uri="{A12FA001-AC4F-418D-AE19-62706E023703}">
-                      <ahyp:hlinkClr xmlns="" xmlns:ahyp="http://schemas.microsoft.com/office/drawing/2018/hyperlinkcolor" xmlns:lc="http://schemas.openxmlformats.org/drawingml/2006/lockedCanvas" val="tx"/>
+                      <ahyp:hlinkClr xmlns:lc="http://schemas.openxmlformats.org/drawingml/2006/lockedCanvas" xmlns:ahyp="http://schemas.microsoft.com/office/drawing/2018/hyperlinkcolor" xmlns="" val="tx"/>
                     </a:ext>
                   </a:extLst>
                 </a:hlinkClick>
@@ -6042,7 +6042,7 @@
                 <a:hlinkClick r:id="rId8">
                   <a:extLst>
                     <a:ext uri="{A12FA001-AC4F-418D-AE19-62706E023703}">
-                      <ahyp:hlinkClr xmlns="" xmlns:ahyp="http://schemas.microsoft.com/office/drawing/2018/hyperlinkcolor" xmlns:lc="http://schemas.openxmlformats.org/drawingml/2006/lockedCanvas" val="tx"/>
+                      <ahyp:hlinkClr xmlns:lc="http://schemas.openxmlformats.org/drawingml/2006/lockedCanvas" xmlns:ahyp="http://schemas.microsoft.com/office/drawing/2018/hyperlinkcolor" xmlns="" val="tx"/>
                     </a:ext>
                   </a:extLst>
                 </a:hlinkClick>
@@ -6057,7 +6057,7 @@
                 <a:hlinkClick r:id="rId8">
                   <a:extLst>
                     <a:ext uri="{A12FA001-AC4F-418D-AE19-62706E023703}">
-                      <ahyp:hlinkClr xmlns="" xmlns:ahyp="http://schemas.microsoft.com/office/drawing/2018/hyperlinkcolor" xmlns:lc="http://schemas.openxmlformats.org/drawingml/2006/lockedCanvas" val="tx"/>
+                      <ahyp:hlinkClr xmlns:lc="http://schemas.openxmlformats.org/drawingml/2006/lockedCanvas" xmlns:ahyp="http://schemas.microsoft.com/office/drawing/2018/hyperlinkcolor" xmlns="" val="tx"/>
                     </a:ext>
                   </a:extLst>
                 </a:hlinkClick>
@@ -6087,7 +6087,7 @@
                 <a:hlinkClick r:id="rId9">
                   <a:extLst>
                     <a:ext uri="{A12FA001-AC4F-418D-AE19-62706E023703}">
-                      <ahyp:hlinkClr xmlns="" xmlns:ahyp="http://schemas.microsoft.com/office/drawing/2018/hyperlinkcolor" xmlns:lc="http://schemas.openxmlformats.org/drawingml/2006/lockedCanvas" val="tx"/>
+                      <ahyp:hlinkClr xmlns:lc="http://schemas.openxmlformats.org/drawingml/2006/lockedCanvas" xmlns:ahyp="http://schemas.microsoft.com/office/drawing/2018/hyperlinkcolor" xmlns="" val="tx"/>
                     </a:ext>
                   </a:extLst>
                 </a:hlinkClick>
@@ -6117,7 +6117,7 @@
                 <a:hlinkClick r:id="rId10">
                   <a:extLst>
                     <a:ext uri="{A12FA001-AC4F-418D-AE19-62706E023703}">
-                      <ahyp:hlinkClr xmlns="" xmlns:ahyp="http://schemas.microsoft.com/office/drawing/2018/hyperlinkcolor" xmlns:lc="http://schemas.openxmlformats.org/drawingml/2006/lockedCanvas" val="tx"/>
+                      <ahyp:hlinkClr xmlns:lc="http://schemas.openxmlformats.org/drawingml/2006/lockedCanvas" xmlns:ahyp="http://schemas.microsoft.com/office/drawing/2018/hyperlinkcolor" xmlns="" val="tx"/>
                     </a:ext>
                   </a:extLst>
                 </a:hlinkClick>
@@ -6147,7 +6147,7 @@
                 <a:hlinkClick r:id="rId11">
                   <a:extLst>
                     <a:ext uri="{A12FA001-AC4F-418D-AE19-62706E023703}">
-                      <ahyp:hlinkClr xmlns="" xmlns:ahyp="http://schemas.microsoft.com/office/drawing/2018/hyperlinkcolor" xmlns:lc="http://schemas.openxmlformats.org/drawingml/2006/lockedCanvas" val="tx"/>
+                      <ahyp:hlinkClr xmlns:lc="http://schemas.openxmlformats.org/drawingml/2006/lockedCanvas" xmlns:ahyp="http://schemas.microsoft.com/office/drawing/2018/hyperlinkcolor" xmlns="" val="tx"/>
                     </a:ext>
                   </a:extLst>
                 </a:hlinkClick>
@@ -6177,7 +6177,7 @@
                 <a:hlinkClick r:id="rId12">
                   <a:extLst>
                     <a:ext uri="{A12FA001-AC4F-418D-AE19-62706E023703}">
-                      <ahyp:hlinkClr xmlns="" xmlns:ahyp="http://schemas.microsoft.com/office/drawing/2018/hyperlinkcolor" xmlns:lc="http://schemas.openxmlformats.org/drawingml/2006/lockedCanvas" val="tx"/>
+                      <ahyp:hlinkClr xmlns:lc="http://schemas.openxmlformats.org/drawingml/2006/lockedCanvas" xmlns:ahyp="http://schemas.microsoft.com/office/drawing/2018/hyperlinkcolor" xmlns="" val="tx"/>
                     </a:ext>
                   </a:extLst>
                 </a:hlinkClick>
@@ -6207,7 +6207,7 @@
                 <a:hlinkClick r:id="rId13">
                   <a:extLst>
                     <a:ext uri="{A12FA001-AC4F-418D-AE19-62706E023703}">
-                      <ahyp:hlinkClr xmlns="" xmlns:ahyp="http://schemas.microsoft.com/office/drawing/2018/hyperlinkcolor" xmlns:lc="http://schemas.openxmlformats.org/drawingml/2006/lockedCanvas" val="tx"/>
+                      <ahyp:hlinkClr xmlns:lc="http://schemas.openxmlformats.org/drawingml/2006/lockedCanvas" xmlns:ahyp="http://schemas.microsoft.com/office/drawing/2018/hyperlinkcolor" xmlns="" val="tx"/>
                     </a:ext>
                   </a:extLst>
                 </a:hlinkClick>
@@ -6237,7 +6237,7 @@
                 <a:hlinkClick r:id="rId14">
                   <a:extLst>
                     <a:ext uri="{A12FA001-AC4F-418D-AE19-62706E023703}">
-                      <ahyp:hlinkClr xmlns="" xmlns:ahyp="http://schemas.microsoft.com/office/drawing/2018/hyperlinkcolor" xmlns:lc="http://schemas.openxmlformats.org/drawingml/2006/lockedCanvas" val="tx"/>
+                      <ahyp:hlinkClr xmlns:lc="http://schemas.openxmlformats.org/drawingml/2006/lockedCanvas" xmlns:ahyp="http://schemas.microsoft.com/office/drawing/2018/hyperlinkcolor" xmlns="" val="tx"/>
                     </a:ext>
                   </a:extLst>
                 </a:hlinkClick>
@@ -6267,7 +6267,7 @@
                 <a:hlinkClick r:id="rId14">
                   <a:extLst>
                     <a:ext uri="{A12FA001-AC4F-418D-AE19-62706E023703}">
-                      <ahyp:hlinkClr xmlns="" xmlns:ahyp="http://schemas.microsoft.com/office/drawing/2018/hyperlinkcolor" xmlns:lc="http://schemas.openxmlformats.org/drawingml/2006/lockedCanvas" val="tx"/>
+                      <ahyp:hlinkClr xmlns:lc="http://schemas.openxmlformats.org/drawingml/2006/lockedCanvas" xmlns:ahyp="http://schemas.microsoft.com/office/drawing/2018/hyperlinkcolor" xmlns="" val="tx"/>
                     </a:ext>
                   </a:extLst>
                 </a:hlinkClick>
@@ -6297,7 +6297,7 @@
                 <a:hlinkClick r:id="rId15">
                   <a:extLst>
                     <a:ext uri="{A12FA001-AC4F-418D-AE19-62706E023703}">
-                      <ahyp:hlinkClr xmlns="" xmlns:ahyp="http://schemas.microsoft.com/office/drawing/2018/hyperlinkcolor" xmlns:lc="http://schemas.openxmlformats.org/drawingml/2006/lockedCanvas" val="tx"/>
+                      <ahyp:hlinkClr xmlns:lc="http://schemas.openxmlformats.org/drawingml/2006/lockedCanvas" xmlns:ahyp="http://schemas.microsoft.com/office/drawing/2018/hyperlinkcolor" xmlns="" val="tx"/>
                     </a:ext>
                   </a:extLst>
                 </a:hlinkClick>
@@ -6327,7 +6327,7 @@
                 <a:hlinkClick r:id="rId16">
                   <a:extLst>
                     <a:ext uri="{A12FA001-AC4F-418D-AE19-62706E023703}">
-                      <ahyp:hlinkClr xmlns="" xmlns:ahyp="http://schemas.microsoft.com/office/drawing/2018/hyperlinkcolor" xmlns:lc="http://schemas.openxmlformats.org/drawingml/2006/lockedCanvas" val="tx"/>
+                      <ahyp:hlinkClr xmlns:lc="http://schemas.openxmlformats.org/drawingml/2006/lockedCanvas" xmlns:ahyp="http://schemas.microsoft.com/office/drawing/2018/hyperlinkcolor" xmlns="" val="tx"/>
                     </a:ext>
                   </a:extLst>
                 </a:hlinkClick>
@@ -6357,7 +6357,7 @@
                 <a:hlinkClick r:id="rId17">
                   <a:extLst>
                     <a:ext uri="{A12FA001-AC4F-418D-AE19-62706E023703}">
-                      <ahyp:hlinkClr xmlns="" xmlns:ahyp="http://schemas.microsoft.com/office/drawing/2018/hyperlinkcolor" xmlns:lc="http://schemas.openxmlformats.org/drawingml/2006/lockedCanvas" val="tx"/>
+                      <ahyp:hlinkClr xmlns:lc="http://schemas.openxmlformats.org/drawingml/2006/lockedCanvas" xmlns:ahyp="http://schemas.microsoft.com/office/drawing/2018/hyperlinkcolor" xmlns="" val="tx"/>
                     </a:ext>
                   </a:extLst>
                 </a:hlinkClick>
@@ -6465,7 +6465,7 @@
                 <a:hlinkClick r:id="rId2">
                   <a:extLst>
                     <a:ext uri="{A12FA001-AC4F-418D-AE19-62706E023703}">
-                      <ahyp:hlinkClr xmlns="" xmlns:ahyp="http://schemas.microsoft.com/office/drawing/2018/hyperlinkcolor" xmlns:lc="http://schemas.openxmlformats.org/drawingml/2006/lockedCanvas" val="tx"/>
+                      <ahyp:hlinkClr xmlns:lc="http://schemas.openxmlformats.org/drawingml/2006/lockedCanvas" xmlns:ahyp="http://schemas.microsoft.com/office/drawing/2018/hyperlinkcolor" xmlns="" val="tx"/>
                     </a:ext>
                   </a:extLst>
                 </a:hlinkClick>
@@ -6495,7 +6495,7 @@
                 <a:hlinkClick r:id="rId3">
                   <a:extLst>
                     <a:ext uri="{A12FA001-AC4F-418D-AE19-62706E023703}">
-                      <ahyp:hlinkClr xmlns="" xmlns:ahyp="http://schemas.microsoft.com/office/drawing/2018/hyperlinkcolor" xmlns:lc="http://schemas.openxmlformats.org/drawingml/2006/lockedCanvas" val="tx"/>
+                      <ahyp:hlinkClr xmlns:lc="http://schemas.openxmlformats.org/drawingml/2006/lockedCanvas" xmlns:ahyp="http://schemas.microsoft.com/office/drawing/2018/hyperlinkcolor" xmlns="" val="tx"/>
                     </a:ext>
                   </a:extLst>
                 </a:hlinkClick>
@@ -6525,7 +6525,7 @@
                 <a:hlinkClick r:id="rId4">
                   <a:extLst>
                     <a:ext uri="{A12FA001-AC4F-418D-AE19-62706E023703}">
-                      <ahyp:hlinkClr xmlns="" xmlns:ahyp="http://schemas.microsoft.com/office/drawing/2018/hyperlinkcolor" xmlns:lc="http://schemas.openxmlformats.org/drawingml/2006/lockedCanvas" val="tx"/>
+                      <ahyp:hlinkClr xmlns:lc="http://schemas.openxmlformats.org/drawingml/2006/lockedCanvas" xmlns:ahyp="http://schemas.microsoft.com/office/drawing/2018/hyperlinkcolor" xmlns="" val="tx"/>
                     </a:ext>
                   </a:extLst>
                 </a:hlinkClick>
@@ -6540,7 +6540,7 @@
                 <a:hlinkClick r:id="rId4">
                   <a:extLst>
                     <a:ext uri="{A12FA001-AC4F-418D-AE19-62706E023703}">
-                      <ahyp:hlinkClr xmlns="" xmlns:ahyp="http://schemas.microsoft.com/office/drawing/2018/hyperlinkcolor" xmlns:lc="http://schemas.openxmlformats.org/drawingml/2006/lockedCanvas" val="tx"/>
+                      <ahyp:hlinkClr xmlns:lc="http://schemas.openxmlformats.org/drawingml/2006/lockedCanvas" xmlns:ahyp="http://schemas.microsoft.com/office/drawing/2018/hyperlinkcolor" xmlns="" val="tx"/>
                     </a:ext>
                   </a:extLst>
                 </a:hlinkClick>
@@ -6570,7 +6570,7 @@
                 <a:hlinkClick r:id="rId5">
                   <a:extLst>
                     <a:ext uri="{A12FA001-AC4F-418D-AE19-62706E023703}">
-                      <ahyp:hlinkClr xmlns="" xmlns:ahyp="http://schemas.microsoft.com/office/drawing/2018/hyperlinkcolor" xmlns:lc="http://schemas.openxmlformats.org/drawingml/2006/lockedCanvas" val="tx"/>
+                      <ahyp:hlinkClr xmlns:lc="http://schemas.openxmlformats.org/drawingml/2006/lockedCanvas" xmlns:ahyp="http://schemas.microsoft.com/office/drawing/2018/hyperlinkcolor" xmlns="" val="tx"/>
                     </a:ext>
                   </a:extLst>
                 </a:hlinkClick>
@@ -6690,7 +6690,7 @@
                 <a:hlinkClick r:id="rId2">
                   <a:extLst>
                     <a:ext uri="{A12FA001-AC4F-418D-AE19-62706E023703}">
-                      <ahyp:hlinkClr xmlns="" xmlns:ahyp="http://schemas.microsoft.com/office/drawing/2018/hyperlinkcolor" xmlns:lc="http://schemas.openxmlformats.org/drawingml/2006/lockedCanvas" val="tx"/>
+                      <ahyp:hlinkClr xmlns:lc="http://schemas.openxmlformats.org/drawingml/2006/lockedCanvas" xmlns:ahyp="http://schemas.microsoft.com/office/drawing/2018/hyperlinkcolor" xmlns="" val="tx"/>
                     </a:ext>
                   </a:extLst>
                 </a:hlinkClick>
@@ -6798,7 +6798,7 @@
                 <a:hlinkClick r:id="rId2">
                   <a:extLst>
                     <a:ext uri="{A12FA001-AC4F-418D-AE19-62706E023703}">
-                      <ahyp:hlinkClr xmlns="" xmlns:ahyp="http://schemas.microsoft.com/office/drawing/2018/hyperlinkcolor" xmlns:lc="http://schemas.openxmlformats.org/drawingml/2006/lockedCanvas" val="tx"/>
+                      <ahyp:hlinkClr xmlns:lc="http://schemas.openxmlformats.org/drawingml/2006/lockedCanvas" xmlns:ahyp="http://schemas.microsoft.com/office/drawing/2018/hyperlinkcolor" xmlns="" val="tx"/>
                     </a:ext>
                   </a:extLst>
                 </a:hlinkClick>
@@ -6828,7 +6828,7 @@
                 <a:hlinkClick r:id="rId3">
                   <a:extLst>
                     <a:ext uri="{A12FA001-AC4F-418D-AE19-62706E023703}">
-                      <ahyp:hlinkClr xmlns="" xmlns:ahyp="http://schemas.microsoft.com/office/drawing/2018/hyperlinkcolor" xmlns:lc="http://schemas.openxmlformats.org/drawingml/2006/lockedCanvas" val="tx"/>
+                      <ahyp:hlinkClr xmlns:lc="http://schemas.openxmlformats.org/drawingml/2006/lockedCanvas" xmlns:ahyp="http://schemas.microsoft.com/office/drawing/2018/hyperlinkcolor" xmlns="" val="tx"/>
                     </a:ext>
                   </a:extLst>
                 </a:hlinkClick>
@@ -6843,7 +6843,7 @@
                 <a:hlinkClick r:id="rId3">
                   <a:extLst>
                     <a:ext uri="{A12FA001-AC4F-418D-AE19-62706E023703}">
-                      <ahyp:hlinkClr xmlns="" xmlns:ahyp="http://schemas.microsoft.com/office/drawing/2018/hyperlinkcolor" xmlns:lc="http://schemas.openxmlformats.org/drawingml/2006/lockedCanvas" val="tx"/>
+                      <ahyp:hlinkClr xmlns:lc="http://schemas.openxmlformats.org/drawingml/2006/lockedCanvas" xmlns:ahyp="http://schemas.microsoft.com/office/drawing/2018/hyperlinkcolor" xmlns="" val="tx"/>
                     </a:ext>
                   </a:extLst>
                 </a:hlinkClick>
@@ -6873,7 +6873,7 @@
                 <a:hlinkClick r:id="rId4">
                   <a:extLst>
                     <a:ext uri="{A12FA001-AC4F-418D-AE19-62706E023703}">
-                      <ahyp:hlinkClr xmlns="" xmlns:ahyp="http://schemas.microsoft.com/office/drawing/2018/hyperlinkcolor" xmlns:lc="http://schemas.openxmlformats.org/drawingml/2006/lockedCanvas" val="tx"/>
+                      <ahyp:hlinkClr xmlns:lc="http://schemas.openxmlformats.org/drawingml/2006/lockedCanvas" xmlns:ahyp="http://schemas.microsoft.com/office/drawing/2018/hyperlinkcolor" xmlns="" val="tx"/>
                     </a:ext>
                   </a:extLst>
                 </a:hlinkClick>
@@ -6888,7 +6888,7 @@
                 <a:hlinkClick r:id="rId4">
                   <a:extLst>
                     <a:ext uri="{A12FA001-AC4F-418D-AE19-62706E023703}">
-                      <ahyp:hlinkClr xmlns="" xmlns:ahyp="http://schemas.microsoft.com/office/drawing/2018/hyperlinkcolor" xmlns:lc="http://schemas.openxmlformats.org/drawingml/2006/lockedCanvas" val="tx"/>
+                      <ahyp:hlinkClr xmlns:lc="http://schemas.openxmlformats.org/drawingml/2006/lockedCanvas" xmlns:ahyp="http://schemas.microsoft.com/office/drawing/2018/hyperlinkcolor" xmlns="" val="tx"/>
                     </a:ext>
                   </a:extLst>
                 </a:hlinkClick>
@@ -6918,7 +6918,7 @@
                 <a:hlinkClick r:id="rId5">
                   <a:extLst>
                     <a:ext uri="{A12FA001-AC4F-418D-AE19-62706E023703}">
-                      <ahyp:hlinkClr xmlns="" xmlns:ahyp="http://schemas.microsoft.com/office/drawing/2018/hyperlinkcolor" xmlns:lc="http://schemas.openxmlformats.org/drawingml/2006/lockedCanvas" val="tx"/>
+                      <ahyp:hlinkClr xmlns:lc="http://schemas.openxmlformats.org/drawingml/2006/lockedCanvas" xmlns:ahyp="http://schemas.microsoft.com/office/drawing/2018/hyperlinkcolor" xmlns="" val="tx"/>
                     </a:ext>
                   </a:extLst>
                 </a:hlinkClick>
@@ -6948,7 +6948,7 @@
                 <a:hlinkClick r:id="rId6">
                   <a:extLst>
                     <a:ext uri="{A12FA001-AC4F-418D-AE19-62706E023703}">
-                      <ahyp:hlinkClr xmlns="" xmlns:ahyp="http://schemas.microsoft.com/office/drawing/2018/hyperlinkcolor" xmlns:lc="http://schemas.openxmlformats.org/drawingml/2006/lockedCanvas" val="tx"/>
+                      <ahyp:hlinkClr xmlns:lc="http://schemas.openxmlformats.org/drawingml/2006/lockedCanvas" xmlns:ahyp="http://schemas.microsoft.com/office/drawing/2018/hyperlinkcolor" xmlns="" val="tx"/>
                     </a:ext>
                   </a:extLst>
                 </a:hlinkClick>
@@ -6978,7 +6978,7 @@
                 <a:hlinkClick r:id="rId7">
                   <a:extLst>
                     <a:ext uri="{A12FA001-AC4F-418D-AE19-62706E023703}">
-                      <ahyp:hlinkClr xmlns="" xmlns:ahyp="http://schemas.microsoft.com/office/drawing/2018/hyperlinkcolor" xmlns:lc="http://schemas.openxmlformats.org/drawingml/2006/lockedCanvas" val="tx"/>
+                      <ahyp:hlinkClr xmlns:lc="http://schemas.openxmlformats.org/drawingml/2006/lockedCanvas" xmlns:ahyp="http://schemas.microsoft.com/office/drawing/2018/hyperlinkcolor" xmlns="" val="tx"/>
                     </a:ext>
                   </a:extLst>
                 </a:hlinkClick>
@@ -7008,7 +7008,7 @@
                 <a:hlinkClick r:id="rId8">
                   <a:extLst>
                     <a:ext uri="{A12FA001-AC4F-418D-AE19-62706E023703}">
-                      <ahyp:hlinkClr xmlns="" xmlns:ahyp="http://schemas.microsoft.com/office/drawing/2018/hyperlinkcolor" xmlns:lc="http://schemas.openxmlformats.org/drawingml/2006/lockedCanvas" val="tx"/>
+                      <ahyp:hlinkClr xmlns:lc="http://schemas.openxmlformats.org/drawingml/2006/lockedCanvas" xmlns:ahyp="http://schemas.microsoft.com/office/drawing/2018/hyperlinkcolor" xmlns="" val="tx"/>
                     </a:ext>
                   </a:extLst>
                 </a:hlinkClick>
@@ -7109,7 +7109,7 @@
                 <a:hlinkClick r:id="rId2">
                   <a:extLst>
                     <a:ext uri="{A12FA001-AC4F-418D-AE19-62706E023703}">
-                      <ahyp:hlinkClr xmlns="" xmlns:ahyp="http://schemas.microsoft.com/office/drawing/2018/hyperlinkcolor" xmlns:lc="http://schemas.openxmlformats.org/drawingml/2006/lockedCanvas" val="tx"/>
+                      <ahyp:hlinkClr xmlns:lc="http://schemas.openxmlformats.org/drawingml/2006/lockedCanvas" xmlns:ahyp="http://schemas.microsoft.com/office/drawing/2018/hyperlinkcolor" xmlns="" val="tx"/>
                     </a:ext>
                   </a:extLst>
                 </a:hlinkClick>
@@ -7139,7 +7139,7 @@
                 <a:hlinkClick r:id="rId3">
                   <a:extLst>
                     <a:ext uri="{A12FA001-AC4F-418D-AE19-62706E023703}">
-                      <ahyp:hlinkClr xmlns="" xmlns:ahyp="http://schemas.microsoft.com/office/drawing/2018/hyperlinkcolor" xmlns:lc="http://schemas.openxmlformats.org/drawingml/2006/lockedCanvas" val="tx"/>
+                      <ahyp:hlinkClr xmlns:lc="http://schemas.openxmlformats.org/drawingml/2006/lockedCanvas" xmlns:ahyp="http://schemas.microsoft.com/office/drawing/2018/hyperlinkcolor" xmlns="" val="tx"/>
                     </a:ext>
                   </a:extLst>
                 </a:hlinkClick>
@@ -7169,7 +7169,7 @@
                 <a:hlinkClick r:id="rId4">
                   <a:extLst>
                     <a:ext uri="{A12FA001-AC4F-418D-AE19-62706E023703}">
-                      <ahyp:hlinkClr xmlns="" xmlns:ahyp="http://schemas.microsoft.com/office/drawing/2018/hyperlinkcolor" xmlns:lc="http://schemas.openxmlformats.org/drawingml/2006/lockedCanvas" val="tx"/>
+                      <ahyp:hlinkClr xmlns:lc="http://schemas.openxmlformats.org/drawingml/2006/lockedCanvas" xmlns:ahyp="http://schemas.microsoft.com/office/drawing/2018/hyperlinkcolor" xmlns="" val="tx"/>
                     </a:ext>
                   </a:extLst>
                 </a:hlinkClick>
@@ -7274,7 +7274,7 @@
                 <a:hlinkClick r:id="rId2">
                   <a:extLst>
                     <a:ext uri="{A12FA001-AC4F-418D-AE19-62706E023703}">
-                      <ahyp:hlinkClr xmlns="" xmlns:ahyp="http://schemas.microsoft.com/office/drawing/2018/hyperlinkcolor" xmlns:lc="http://schemas.openxmlformats.org/drawingml/2006/lockedCanvas" val="tx"/>
+                      <ahyp:hlinkClr xmlns:lc="http://schemas.openxmlformats.org/drawingml/2006/lockedCanvas" xmlns:ahyp="http://schemas.microsoft.com/office/drawing/2018/hyperlinkcolor" xmlns="" val="tx"/>
                     </a:ext>
                   </a:extLst>
                 </a:hlinkClick>
@@ -7304,7 +7304,7 @@
                 <a:hlinkClick r:id="rId3">
                   <a:extLst>
                     <a:ext uri="{A12FA001-AC4F-418D-AE19-62706E023703}">
-                      <ahyp:hlinkClr xmlns="" xmlns:ahyp="http://schemas.microsoft.com/office/drawing/2018/hyperlinkcolor" xmlns:lc="http://schemas.openxmlformats.org/drawingml/2006/lockedCanvas" val="tx"/>
+                      <ahyp:hlinkClr xmlns:lc="http://schemas.openxmlformats.org/drawingml/2006/lockedCanvas" xmlns:ahyp="http://schemas.microsoft.com/office/drawing/2018/hyperlinkcolor" xmlns="" val="tx"/>
                     </a:ext>
                   </a:extLst>
                 </a:hlinkClick>
@@ -7334,7 +7334,7 @@
                 <a:hlinkClick r:id="rId4">
                   <a:extLst>
                     <a:ext uri="{A12FA001-AC4F-418D-AE19-62706E023703}">
-                      <ahyp:hlinkClr xmlns="" xmlns:ahyp="http://schemas.microsoft.com/office/drawing/2018/hyperlinkcolor" xmlns:lc="http://schemas.openxmlformats.org/drawingml/2006/lockedCanvas" val="tx"/>
+                      <ahyp:hlinkClr xmlns:lc="http://schemas.openxmlformats.org/drawingml/2006/lockedCanvas" xmlns:ahyp="http://schemas.microsoft.com/office/drawing/2018/hyperlinkcolor" xmlns="" val="tx"/>
                     </a:ext>
                   </a:extLst>
                 </a:hlinkClick>
@@ -7431,7 +7431,7 @@
                 <a:hlinkClick r:id="rId2">
                   <a:extLst>
                     <a:ext uri="{A12FA001-AC4F-418D-AE19-62706E023703}">
-                      <ahyp:hlinkClr xmlns="" xmlns:ahyp="http://schemas.microsoft.com/office/drawing/2018/hyperlinkcolor" xmlns:lc="http://schemas.openxmlformats.org/drawingml/2006/lockedCanvas" val="tx"/>
+                      <ahyp:hlinkClr xmlns:lc="http://schemas.openxmlformats.org/drawingml/2006/lockedCanvas" xmlns:ahyp="http://schemas.microsoft.com/office/drawing/2018/hyperlinkcolor" xmlns="" val="tx"/>
                     </a:ext>
                   </a:extLst>
                 </a:hlinkClick>
@@ -7446,7 +7446,7 @@
                 <a:hlinkClick r:id="rId2">
                   <a:extLst>
                     <a:ext uri="{A12FA001-AC4F-418D-AE19-62706E023703}">
-                      <ahyp:hlinkClr xmlns="" xmlns:ahyp="http://schemas.microsoft.com/office/drawing/2018/hyperlinkcolor" xmlns:lc="http://schemas.openxmlformats.org/drawingml/2006/lockedCanvas" val="tx"/>
+                      <ahyp:hlinkClr xmlns:lc="http://schemas.openxmlformats.org/drawingml/2006/lockedCanvas" xmlns:ahyp="http://schemas.microsoft.com/office/drawing/2018/hyperlinkcolor" xmlns="" val="tx"/>
                     </a:ext>
                   </a:extLst>
                 </a:hlinkClick>
@@ -7476,7 +7476,7 @@
                 <a:hlinkClick r:id="rId3">
                   <a:extLst>
                     <a:ext uri="{A12FA001-AC4F-418D-AE19-62706E023703}">
-                      <ahyp:hlinkClr xmlns="" xmlns:ahyp="http://schemas.microsoft.com/office/drawing/2018/hyperlinkcolor" xmlns:lc="http://schemas.openxmlformats.org/drawingml/2006/lockedCanvas" val="tx"/>
+                      <ahyp:hlinkClr xmlns:lc="http://schemas.openxmlformats.org/drawingml/2006/lockedCanvas" xmlns:ahyp="http://schemas.microsoft.com/office/drawing/2018/hyperlinkcolor" xmlns="" val="tx"/>
                     </a:ext>
                   </a:extLst>
                 </a:hlinkClick>
@@ -7506,7 +7506,7 @@
                 <a:hlinkClick r:id="rId4">
                   <a:extLst>
                     <a:ext uri="{A12FA001-AC4F-418D-AE19-62706E023703}">
-                      <ahyp:hlinkClr xmlns="" xmlns:ahyp="http://schemas.microsoft.com/office/drawing/2018/hyperlinkcolor" xmlns:lc="http://schemas.openxmlformats.org/drawingml/2006/lockedCanvas" val="tx"/>
+                      <ahyp:hlinkClr xmlns:lc="http://schemas.openxmlformats.org/drawingml/2006/lockedCanvas" xmlns:ahyp="http://schemas.microsoft.com/office/drawing/2018/hyperlinkcolor" xmlns="" val="tx"/>
                     </a:ext>
                   </a:extLst>
                 </a:hlinkClick>
@@ -7623,7 +7623,7 @@
                 <a:hlinkClick r:id="rId2">
                   <a:extLst>
                     <a:ext uri="{A12FA001-AC4F-418D-AE19-62706E023703}">
-                      <ahyp:hlinkClr xmlns="" xmlns:ahyp="http://schemas.microsoft.com/office/drawing/2018/hyperlinkcolor" xmlns:lc="http://schemas.openxmlformats.org/drawingml/2006/lockedCanvas" val="tx"/>
+                      <ahyp:hlinkClr xmlns:lc="http://schemas.openxmlformats.org/drawingml/2006/lockedCanvas" xmlns:ahyp="http://schemas.microsoft.com/office/drawing/2018/hyperlinkcolor" xmlns="" val="tx"/>
                     </a:ext>
                   </a:extLst>
                 </a:hlinkClick>
@@ -7653,7 +7653,7 @@
                 <a:hlinkClick r:id="rId3">
                   <a:extLst>
                     <a:ext uri="{A12FA001-AC4F-418D-AE19-62706E023703}">
-                      <ahyp:hlinkClr xmlns="" xmlns:ahyp="http://schemas.microsoft.com/office/drawing/2018/hyperlinkcolor" xmlns:lc="http://schemas.openxmlformats.org/drawingml/2006/lockedCanvas" val="tx"/>
+                      <ahyp:hlinkClr xmlns:lc="http://schemas.openxmlformats.org/drawingml/2006/lockedCanvas" xmlns:ahyp="http://schemas.microsoft.com/office/drawing/2018/hyperlinkcolor" xmlns="" val="tx"/>
                     </a:ext>
                   </a:extLst>
                 </a:hlinkClick>
@@ -7668,7 +7668,7 @@
                 <a:hlinkClick r:id="rId3">
                   <a:extLst>
                     <a:ext uri="{A12FA001-AC4F-418D-AE19-62706E023703}">
-                      <ahyp:hlinkClr xmlns="" xmlns:ahyp="http://schemas.microsoft.com/office/drawing/2018/hyperlinkcolor" xmlns:lc="http://schemas.openxmlformats.org/drawingml/2006/lockedCanvas" val="tx"/>
+                      <ahyp:hlinkClr xmlns:lc="http://schemas.openxmlformats.org/drawingml/2006/lockedCanvas" xmlns:ahyp="http://schemas.microsoft.com/office/drawing/2018/hyperlinkcolor" xmlns="" val="tx"/>
                     </a:ext>
                   </a:extLst>
                 </a:hlinkClick>
@@ -7698,7 +7698,7 @@
                 <a:hlinkClick r:id="rId4">
                   <a:extLst>
                     <a:ext uri="{A12FA001-AC4F-418D-AE19-62706E023703}">
-                      <ahyp:hlinkClr xmlns="" xmlns:ahyp="http://schemas.microsoft.com/office/drawing/2018/hyperlinkcolor" xmlns:lc="http://schemas.openxmlformats.org/drawingml/2006/lockedCanvas" val="tx"/>
+                      <ahyp:hlinkClr xmlns:lc="http://schemas.openxmlformats.org/drawingml/2006/lockedCanvas" xmlns:ahyp="http://schemas.microsoft.com/office/drawing/2018/hyperlinkcolor" xmlns="" val="tx"/>
                     </a:ext>
                   </a:extLst>
                 </a:hlinkClick>
@@ -7728,7 +7728,7 @@
                 <a:hlinkClick r:id="rId5">
                   <a:extLst>
                     <a:ext uri="{A12FA001-AC4F-418D-AE19-62706E023703}">
-                      <ahyp:hlinkClr xmlns="" xmlns:ahyp="http://schemas.microsoft.com/office/drawing/2018/hyperlinkcolor" xmlns:lc="http://schemas.openxmlformats.org/drawingml/2006/lockedCanvas" val="tx"/>
+                      <ahyp:hlinkClr xmlns:lc="http://schemas.openxmlformats.org/drawingml/2006/lockedCanvas" xmlns:ahyp="http://schemas.microsoft.com/office/drawing/2018/hyperlinkcolor" xmlns="" val="tx"/>
                     </a:ext>
                   </a:extLst>
                 </a:hlinkClick>
@@ -7906,7 +7906,7 @@
                 <a:hlinkClick r:id="rId2">
                   <a:extLst>
                     <a:ext uri="{A12FA001-AC4F-418D-AE19-62706E023703}">
-                      <ahyp:hlinkClr xmlns="" xmlns:ahyp="http://schemas.microsoft.com/office/drawing/2018/hyperlinkcolor" xmlns:lc="http://schemas.openxmlformats.org/drawingml/2006/lockedCanvas" val="tx"/>
+                      <ahyp:hlinkClr xmlns:lc="http://schemas.openxmlformats.org/drawingml/2006/lockedCanvas" xmlns:ahyp="http://schemas.microsoft.com/office/drawing/2018/hyperlinkcolor" xmlns="" val="tx"/>
                     </a:ext>
                   </a:extLst>
                 </a:hlinkClick>
@@ -7936,7 +7936,7 @@
                 <a:hlinkClick r:id="rId3">
                   <a:extLst>
                     <a:ext uri="{A12FA001-AC4F-418D-AE19-62706E023703}">
-                      <ahyp:hlinkClr xmlns="" xmlns:ahyp="http://schemas.microsoft.com/office/drawing/2018/hyperlinkcolor" xmlns:lc="http://schemas.openxmlformats.org/drawingml/2006/lockedCanvas" val="tx"/>
+                      <ahyp:hlinkClr xmlns:lc="http://schemas.openxmlformats.org/drawingml/2006/lockedCanvas" xmlns:ahyp="http://schemas.microsoft.com/office/drawing/2018/hyperlinkcolor" xmlns="" val="tx"/>
                     </a:ext>
                   </a:extLst>
                 </a:hlinkClick>
@@ -7966,7 +7966,7 @@
                 <a:hlinkClick r:id="rId4">
                   <a:extLst>
                     <a:ext uri="{A12FA001-AC4F-418D-AE19-62706E023703}">
-                      <ahyp:hlinkClr xmlns="" xmlns:ahyp="http://schemas.microsoft.com/office/drawing/2018/hyperlinkcolor" xmlns:lc="http://schemas.openxmlformats.org/drawingml/2006/lockedCanvas" val="tx"/>
+                      <ahyp:hlinkClr xmlns:lc="http://schemas.openxmlformats.org/drawingml/2006/lockedCanvas" xmlns:ahyp="http://schemas.microsoft.com/office/drawing/2018/hyperlinkcolor" xmlns="" val="tx"/>
                     </a:ext>
                   </a:extLst>
                 </a:hlinkClick>
@@ -7996,7 +7996,7 @@
                 <a:hlinkClick r:id="rId5">
                   <a:extLst>
                     <a:ext uri="{A12FA001-AC4F-418D-AE19-62706E023703}">
-                      <ahyp:hlinkClr xmlns="" xmlns:ahyp="http://schemas.microsoft.com/office/drawing/2018/hyperlinkcolor" xmlns:lc="http://schemas.openxmlformats.org/drawingml/2006/lockedCanvas" val="tx"/>
+                      <ahyp:hlinkClr xmlns:lc="http://schemas.openxmlformats.org/drawingml/2006/lockedCanvas" xmlns:ahyp="http://schemas.microsoft.com/office/drawing/2018/hyperlinkcolor" xmlns="" val="tx"/>
                     </a:ext>
                   </a:extLst>
                 </a:hlinkClick>
@@ -8026,7 +8026,7 @@
                 <a:hlinkClick r:id="rId6">
                   <a:extLst>
                     <a:ext uri="{A12FA001-AC4F-418D-AE19-62706E023703}">
-                      <ahyp:hlinkClr xmlns="" xmlns:ahyp="http://schemas.microsoft.com/office/drawing/2018/hyperlinkcolor" xmlns:lc="http://schemas.openxmlformats.org/drawingml/2006/lockedCanvas" val="tx"/>
+                      <ahyp:hlinkClr xmlns:lc="http://schemas.openxmlformats.org/drawingml/2006/lockedCanvas" xmlns:ahyp="http://schemas.microsoft.com/office/drawing/2018/hyperlinkcolor" xmlns="" val="tx"/>
                     </a:ext>
                   </a:extLst>
                 </a:hlinkClick>
@@ -8056,7 +8056,7 @@
                 <a:hlinkClick r:id="rId7">
                   <a:extLst>
                     <a:ext uri="{A12FA001-AC4F-418D-AE19-62706E023703}">
-                      <ahyp:hlinkClr xmlns="" xmlns:ahyp="http://schemas.microsoft.com/office/drawing/2018/hyperlinkcolor" xmlns:lc="http://schemas.openxmlformats.org/drawingml/2006/lockedCanvas" val="tx"/>
+                      <ahyp:hlinkClr xmlns:lc="http://schemas.openxmlformats.org/drawingml/2006/lockedCanvas" xmlns:ahyp="http://schemas.microsoft.com/office/drawing/2018/hyperlinkcolor" xmlns="" val="tx"/>
                     </a:ext>
                   </a:extLst>
                 </a:hlinkClick>
@@ -8086,7 +8086,7 @@
                 <a:hlinkClick r:id="rId8">
                   <a:extLst>
                     <a:ext uri="{A12FA001-AC4F-418D-AE19-62706E023703}">
-                      <ahyp:hlinkClr xmlns="" xmlns:ahyp="http://schemas.microsoft.com/office/drawing/2018/hyperlinkcolor" xmlns:lc="http://schemas.openxmlformats.org/drawingml/2006/lockedCanvas" val="tx"/>
+                      <ahyp:hlinkClr xmlns:lc="http://schemas.openxmlformats.org/drawingml/2006/lockedCanvas" xmlns:ahyp="http://schemas.microsoft.com/office/drawing/2018/hyperlinkcolor" xmlns="" val="tx"/>
                     </a:ext>
                   </a:extLst>
                 </a:hlinkClick>
@@ -8116,7 +8116,7 @@
                 <a:hlinkClick r:id="rId9">
                   <a:extLst>
                     <a:ext uri="{A12FA001-AC4F-418D-AE19-62706E023703}">
-                      <ahyp:hlinkClr xmlns="" xmlns:ahyp="http://schemas.microsoft.com/office/drawing/2018/hyperlinkcolor" xmlns:lc="http://schemas.openxmlformats.org/drawingml/2006/lockedCanvas" val="tx"/>
+                      <ahyp:hlinkClr xmlns:lc="http://schemas.openxmlformats.org/drawingml/2006/lockedCanvas" xmlns:ahyp="http://schemas.microsoft.com/office/drawing/2018/hyperlinkcolor" xmlns="" val="tx"/>
                     </a:ext>
                   </a:extLst>
                 </a:hlinkClick>
@@ -8259,7 +8259,7 @@
                 <a:hlinkClick r:id="rId2">
                   <a:extLst>
                     <a:ext uri="{A12FA001-AC4F-418D-AE19-62706E023703}">
-                      <ahyp:hlinkClr xmlns="" xmlns:ahyp="http://schemas.microsoft.com/office/drawing/2018/hyperlinkcolor" xmlns:lc="http://schemas.openxmlformats.org/drawingml/2006/lockedCanvas" val="tx"/>
+                      <ahyp:hlinkClr xmlns:lc="http://schemas.openxmlformats.org/drawingml/2006/lockedCanvas" xmlns:ahyp="http://schemas.microsoft.com/office/drawing/2018/hyperlinkcolor" xmlns="" val="tx"/>
                     </a:ext>
                   </a:extLst>
                 </a:hlinkClick>
@@ -8274,7 +8274,7 @@
                 <a:hlinkClick r:id="rId2">
                   <a:extLst>
                     <a:ext uri="{A12FA001-AC4F-418D-AE19-62706E023703}">
-                      <ahyp:hlinkClr xmlns="" xmlns:ahyp="http://schemas.microsoft.com/office/drawing/2018/hyperlinkcolor" xmlns:lc="http://schemas.openxmlformats.org/drawingml/2006/lockedCanvas" val="tx"/>
+                      <ahyp:hlinkClr xmlns:lc="http://schemas.openxmlformats.org/drawingml/2006/lockedCanvas" xmlns:ahyp="http://schemas.microsoft.com/office/drawing/2018/hyperlinkcolor" xmlns="" val="tx"/>
                     </a:ext>
                   </a:extLst>
                 </a:hlinkClick>
@@ -8304,7 +8304,7 @@
                 <a:hlinkClick r:id="rId3">
                   <a:extLst>
                     <a:ext uri="{A12FA001-AC4F-418D-AE19-62706E023703}">
-                      <ahyp:hlinkClr xmlns="" xmlns:ahyp="http://schemas.microsoft.com/office/drawing/2018/hyperlinkcolor" xmlns:lc="http://schemas.openxmlformats.org/drawingml/2006/lockedCanvas" val="tx"/>
+                      <ahyp:hlinkClr xmlns:lc="http://schemas.openxmlformats.org/drawingml/2006/lockedCanvas" xmlns:ahyp="http://schemas.microsoft.com/office/drawing/2018/hyperlinkcolor" xmlns="" val="tx"/>
                     </a:ext>
                   </a:extLst>
                 </a:hlinkClick>
@@ -8334,7 +8334,7 @@
                 <a:hlinkClick r:id="rId4">
                   <a:extLst>
                     <a:ext uri="{A12FA001-AC4F-418D-AE19-62706E023703}">
-                      <ahyp:hlinkClr xmlns="" xmlns:ahyp="http://schemas.microsoft.com/office/drawing/2018/hyperlinkcolor" xmlns:lc="http://schemas.openxmlformats.org/drawingml/2006/lockedCanvas" val="tx"/>
+                      <ahyp:hlinkClr xmlns:lc="http://schemas.openxmlformats.org/drawingml/2006/lockedCanvas" xmlns:ahyp="http://schemas.microsoft.com/office/drawing/2018/hyperlinkcolor" xmlns="" val="tx"/>
                     </a:ext>
                   </a:extLst>
                 </a:hlinkClick>
@@ -8349,7 +8349,7 @@
                 <a:hlinkClick r:id="rId4">
                   <a:extLst>
                     <a:ext uri="{A12FA001-AC4F-418D-AE19-62706E023703}">
-                      <ahyp:hlinkClr xmlns="" xmlns:ahyp="http://schemas.microsoft.com/office/drawing/2018/hyperlinkcolor" xmlns:lc="http://schemas.openxmlformats.org/drawingml/2006/lockedCanvas" val="tx"/>
+                      <ahyp:hlinkClr xmlns:lc="http://schemas.openxmlformats.org/drawingml/2006/lockedCanvas" xmlns:ahyp="http://schemas.microsoft.com/office/drawing/2018/hyperlinkcolor" xmlns="" val="tx"/>
                     </a:ext>
                   </a:extLst>
                 </a:hlinkClick>
@@ -8379,7 +8379,7 @@
                 <a:hlinkClick r:id="rId5">
                   <a:extLst>
                     <a:ext uri="{A12FA001-AC4F-418D-AE19-62706E023703}">
-                      <ahyp:hlinkClr xmlns="" xmlns:ahyp="http://schemas.microsoft.com/office/drawing/2018/hyperlinkcolor" xmlns:lc="http://schemas.openxmlformats.org/drawingml/2006/lockedCanvas" val="tx"/>
+                      <ahyp:hlinkClr xmlns:lc="http://schemas.openxmlformats.org/drawingml/2006/lockedCanvas" xmlns:ahyp="http://schemas.microsoft.com/office/drawing/2018/hyperlinkcolor" xmlns="" val="tx"/>
                     </a:ext>
                   </a:extLst>
                 </a:hlinkClick>
@@ -8394,7 +8394,7 @@
                 <a:hlinkClick r:id="rId5">
                   <a:extLst>
                     <a:ext uri="{A12FA001-AC4F-418D-AE19-62706E023703}">
-                      <ahyp:hlinkClr xmlns="" xmlns:ahyp="http://schemas.microsoft.com/office/drawing/2018/hyperlinkcolor" xmlns:lc="http://schemas.openxmlformats.org/drawingml/2006/lockedCanvas" val="tx"/>
+                      <ahyp:hlinkClr xmlns:lc="http://schemas.openxmlformats.org/drawingml/2006/lockedCanvas" xmlns:ahyp="http://schemas.microsoft.com/office/drawing/2018/hyperlinkcolor" xmlns="" val="tx"/>
                     </a:ext>
                   </a:extLst>
                 </a:hlinkClick>
@@ -8424,7 +8424,7 @@
                 <a:hlinkClick r:id="rId6">
                   <a:extLst>
                     <a:ext uri="{A12FA001-AC4F-418D-AE19-62706E023703}">
-                      <ahyp:hlinkClr xmlns="" xmlns:ahyp="http://schemas.microsoft.com/office/drawing/2018/hyperlinkcolor" xmlns:lc="http://schemas.openxmlformats.org/drawingml/2006/lockedCanvas" val="tx"/>
+                      <ahyp:hlinkClr xmlns:lc="http://schemas.openxmlformats.org/drawingml/2006/lockedCanvas" xmlns:ahyp="http://schemas.microsoft.com/office/drawing/2018/hyperlinkcolor" xmlns="" val="tx"/>
                     </a:ext>
                   </a:extLst>
                 </a:hlinkClick>
@@ -8439,7 +8439,7 @@
                 <a:hlinkClick r:id="rId6">
                   <a:extLst>
                     <a:ext uri="{A12FA001-AC4F-418D-AE19-62706E023703}">
-                      <ahyp:hlinkClr xmlns="" xmlns:ahyp="http://schemas.microsoft.com/office/drawing/2018/hyperlinkcolor" xmlns:lc="http://schemas.openxmlformats.org/drawingml/2006/lockedCanvas" val="tx"/>
+                      <ahyp:hlinkClr xmlns:lc="http://schemas.openxmlformats.org/drawingml/2006/lockedCanvas" xmlns:ahyp="http://schemas.microsoft.com/office/drawing/2018/hyperlinkcolor" xmlns="" val="tx"/>
                     </a:ext>
                   </a:extLst>
                 </a:hlinkClick>
@@ -8469,7 +8469,7 @@
                 <a:hlinkClick r:id="rId7">
                   <a:extLst>
                     <a:ext uri="{A12FA001-AC4F-418D-AE19-62706E023703}">
-                      <ahyp:hlinkClr xmlns="" xmlns:ahyp="http://schemas.microsoft.com/office/drawing/2018/hyperlinkcolor" xmlns:lc="http://schemas.openxmlformats.org/drawingml/2006/lockedCanvas" val="tx"/>
+                      <ahyp:hlinkClr xmlns:lc="http://schemas.openxmlformats.org/drawingml/2006/lockedCanvas" xmlns:ahyp="http://schemas.microsoft.com/office/drawing/2018/hyperlinkcolor" xmlns="" val="tx"/>
                     </a:ext>
                   </a:extLst>
                 </a:hlinkClick>
@@ -8484,7 +8484,7 @@
                 <a:hlinkClick r:id="rId7">
                   <a:extLst>
                     <a:ext uri="{A12FA001-AC4F-418D-AE19-62706E023703}">
-                      <ahyp:hlinkClr xmlns="" xmlns:ahyp="http://schemas.microsoft.com/office/drawing/2018/hyperlinkcolor" xmlns:lc="http://schemas.openxmlformats.org/drawingml/2006/lockedCanvas" val="tx"/>
+                      <ahyp:hlinkClr xmlns:lc="http://schemas.openxmlformats.org/drawingml/2006/lockedCanvas" xmlns:ahyp="http://schemas.microsoft.com/office/drawing/2018/hyperlinkcolor" xmlns="" val="tx"/>
                     </a:ext>
                   </a:extLst>
                 </a:hlinkClick>
@@ -8514,7 +8514,7 @@
                 <a:hlinkClick r:id="rId8">
                   <a:extLst>
                     <a:ext uri="{A12FA001-AC4F-418D-AE19-62706E023703}">
-                      <ahyp:hlinkClr xmlns="" xmlns:ahyp="http://schemas.microsoft.com/office/drawing/2018/hyperlinkcolor" xmlns:lc="http://schemas.openxmlformats.org/drawingml/2006/lockedCanvas" val="tx"/>
+                      <ahyp:hlinkClr xmlns:lc="http://schemas.openxmlformats.org/drawingml/2006/lockedCanvas" xmlns:ahyp="http://schemas.microsoft.com/office/drawing/2018/hyperlinkcolor" xmlns="" val="tx"/>
                     </a:ext>
                   </a:extLst>
                 </a:hlinkClick>
@@ -8529,7 +8529,7 @@
                 <a:hlinkClick r:id="rId8">
                   <a:extLst>
                     <a:ext uri="{A12FA001-AC4F-418D-AE19-62706E023703}">
-                      <ahyp:hlinkClr xmlns="" xmlns:ahyp="http://schemas.microsoft.com/office/drawing/2018/hyperlinkcolor" xmlns:lc="http://schemas.openxmlformats.org/drawingml/2006/lockedCanvas" val="tx"/>
+                      <ahyp:hlinkClr xmlns:lc="http://schemas.openxmlformats.org/drawingml/2006/lockedCanvas" xmlns:ahyp="http://schemas.microsoft.com/office/drawing/2018/hyperlinkcolor" xmlns="" val="tx"/>
                     </a:ext>
                   </a:extLst>
                 </a:hlinkClick>
@@ -8559,7 +8559,7 @@
                 <a:hlinkClick r:id="rId9">
                   <a:extLst>
                     <a:ext uri="{A12FA001-AC4F-418D-AE19-62706E023703}">
-                      <ahyp:hlinkClr xmlns="" xmlns:ahyp="http://schemas.microsoft.com/office/drawing/2018/hyperlinkcolor" xmlns:lc="http://schemas.openxmlformats.org/drawingml/2006/lockedCanvas" val="tx"/>
+                      <ahyp:hlinkClr xmlns:lc="http://schemas.openxmlformats.org/drawingml/2006/lockedCanvas" xmlns:ahyp="http://schemas.microsoft.com/office/drawing/2018/hyperlinkcolor" xmlns="" val="tx"/>
                     </a:ext>
                   </a:extLst>
                 </a:hlinkClick>
@@ -8574,7 +8574,7 @@
                 <a:hlinkClick r:id="rId9">
                   <a:extLst>
                     <a:ext uri="{A12FA001-AC4F-418D-AE19-62706E023703}">
-                      <ahyp:hlinkClr xmlns="" xmlns:ahyp="http://schemas.microsoft.com/office/drawing/2018/hyperlinkcolor" xmlns:lc="http://schemas.openxmlformats.org/drawingml/2006/lockedCanvas" val="tx"/>
+                      <ahyp:hlinkClr xmlns:lc="http://schemas.openxmlformats.org/drawingml/2006/lockedCanvas" xmlns:ahyp="http://schemas.microsoft.com/office/drawing/2018/hyperlinkcolor" xmlns="" val="tx"/>
                     </a:ext>
                   </a:extLst>
                 </a:hlinkClick>
@@ -8589,7 +8589,7 @@
                 <a:hlinkClick r:id="rId9">
                   <a:extLst>
                     <a:ext uri="{A12FA001-AC4F-418D-AE19-62706E023703}">
-                      <ahyp:hlinkClr xmlns="" xmlns:ahyp="http://schemas.microsoft.com/office/drawing/2018/hyperlinkcolor" xmlns:lc="http://schemas.openxmlformats.org/drawingml/2006/lockedCanvas" val="tx"/>
+                      <ahyp:hlinkClr xmlns:lc="http://schemas.openxmlformats.org/drawingml/2006/lockedCanvas" xmlns:ahyp="http://schemas.microsoft.com/office/drawing/2018/hyperlinkcolor" xmlns="" val="tx"/>
                     </a:ext>
                   </a:extLst>
                 </a:hlinkClick>
@@ -8619,7 +8619,7 @@
                 <a:hlinkClick r:id="rId10">
                   <a:extLst>
                     <a:ext uri="{A12FA001-AC4F-418D-AE19-62706E023703}">
-                      <ahyp:hlinkClr xmlns="" xmlns:ahyp="http://schemas.microsoft.com/office/drawing/2018/hyperlinkcolor" xmlns:lc="http://schemas.openxmlformats.org/drawingml/2006/lockedCanvas" val="tx"/>
+                      <ahyp:hlinkClr xmlns:lc="http://schemas.openxmlformats.org/drawingml/2006/lockedCanvas" xmlns:ahyp="http://schemas.microsoft.com/office/drawing/2018/hyperlinkcolor" xmlns="" val="tx"/>
                     </a:ext>
                   </a:extLst>
                 </a:hlinkClick>
@@ -8634,7 +8634,7 @@
                 <a:hlinkClick r:id="rId10">
                   <a:extLst>
                     <a:ext uri="{A12FA001-AC4F-418D-AE19-62706E023703}">
-                      <ahyp:hlinkClr xmlns="" xmlns:ahyp="http://schemas.microsoft.com/office/drawing/2018/hyperlinkcolor" xmlns:lc="http://schemas.openxmlformats.org/drawingml/2006/lockedCanvas" val="tx"/>
+                      <ahyp:hlinkClr xmlns:lc="http://schemas.openxmlformats.org/drawingml/2006/lockedCanvas" xmlns:ahyp="http://schemas.microsoft.com/office/drawing/2018/hyperlinkcolor" xmlns="" val="tx"/>
                     </a:ext>
                   </a:extLst>
                 </a:hlinkClick>
@@ -8649,7 +8649,7 @@
                 <a:hlinkClick r:id="rId10">
                   <a:extLst>
                     <a:ext uri="{A12FA001-AC4F-418D-AE19-62706E023703}">
-                      <ahyp:hlinkClr xmlns="" xmlns:ahyp="http://schemas.microsoft.com/office/drawing/2018/hyperlinkcolor" xmlns:lc="http://schemas.openxmlformats.org/drawingml/2006/lockedCanvas" val="tx"/>
+                      <ahyp:hlinkClr xmlns:lc="http://schemas.openxmlformats.org/drawingml/2006/lockedCanvas" xmlns:ahyp="http://schemas.microsoft.com/office/drawing/2018/hyperlinkcolor" xmlns="" val="tx"/>
                     </a:ext>
                   </a:extLst>
                 </a:hlinkClick>
@@ -8679,7 +8679,7 @@
                 <a:hlinkClick r:id="rId11">
                   <a:extLst>
                     <a:ext uri="{A12FA001-AC4F-418D-AE19-62706E023703}">
-                      <ahyp:hlinkClr xmlns="" xmlns:ahyp="http://schemas.microsoft.com/office/drawing/2018/hyperlinkcolor" xmlns:lc="http://schemas.openxmlformats.org/drawingml/2006/lockedCanvas" val="tx"/>
+                      <ahyp:hlinkClr xmlns:lc="http://schemas.openxmlformats.org/drawingml/2006/lockedCanvas" xmlns:ahyp="http://schemas.microsoft.com/office/drawing/2018/hyperlinkcolor" xmlns="" val="tx"/>
                     </a:ext>
                   </a:extLst>
                 </a:hlinkClick>
@@ -8694,7 +8694,7 @@
                 <a:hlinkClick r:id="rId11">
                   <a:extLst>
                     <a:ext uri="{A12FA001-AC4F-418D-AE19-62706E023703}">
-                      <ahyp:hlinkClr xmlns="" xmlns:ahyp="http://schemas.microsoft.com/office/drawing/2018/hyperlinkcolor" xmlns:lc="http://schemas.openxmlformats.org/drawingml/2006/lockedCanvas" val="tx"/>
+                      <ahyp:hlinkClr xmlns:lc="http://schemas.openxmlformats.org/drawingml/2006/lockedCanvas" xmlns:ahyp="http://schemas.microsoft.com/office/drawing/2018/hyperlinkcolor" xmlns="" val="tx"/>
                     </a:ext>
                   </a:extLst>
                 </a:hlinkClick>
@@ -8811,7 +8811,7 @@
                 <a:hlinkClick r:id="rId2">
                   <a:extLst>
                     <a:ext uri="{A12FA001-AC4F-418D-AE19-62706E023703}">
-                      <ahyp:hlinkClr xmlns="" xmlns:ahyp="http://schemas.microsoft.com/office/drawing/2018/hyperlinkcolor" xmlns:lc="http://schemas.openxmlformats.org/drawingml/2006/lockedCanvas" val="tx"/>
+                      <ahyp:hlinkClr xmlns:lc="http://schemas.openxmlformats.org/drawingml/2006/lockedCanvas" xmlns:ahyp="http://schemas.microsoft.com/office/drawing/2018/hyperlinkcolor" xmlns="" val="tx"/>
                     </a:ext>
                   </a:extLst>
                 </a:hlinkClick>
@@ -8826,7 +8826,7 @@
                 <a:hlinkClick r:id="rId2">
                   <a:extLst>
                     <a:ext uri="{A12FA001-AC4F-418D-AE19-62706E023703}">
-                      <ahyp:hlinkClr xmlns="" xmlns:ahyp="http://schemas.microsoft.com/office/drawing/2018/hyperlinkcolor" xmlns:lc="http://schemas.openxmlformats.org/drawingml/2006/lockedCanvas" val="tx"/>
+                      <ahyp:hlinkClr xmlns:lc="http://schemas.openxmlformats.org/drawingml/2006/lockedCanvas" xmlns:ahyp="http://schemas.microsoft.com/office/drawing/2018/hyperlinkcolor" xmlns="" val="tx"/>
                     </a:ext>
                   </a:extLst>
                 </a:hlinkClick>
@@ -8935,7 +8935,7 @@
                 <a:hlinkClick r:id="rId2">
                   <a:extLst>
                     <a:ext uri="{A12FA001-AC4F-418D-AE19-62706E023703}">
-                      <ahyp:hlinkClr xmlns="" xmlns:ahyp="http://schemas.microsoft.com/office/drawing/2018/hyperlinkcolor" xmlns:lc="http://schemas.openxmlformats.org/drawingml/2006/lockedCanvas" val="tx"/>
+                      <ahyp:hlinkClr xmlns:lc="http://schemas.openxmlformats.org/drawingml/2006/lockedCanvas" xmlns:ahyp="http://schemas.microsoft.com/office/drawing/2018/hyperlinkcolor" xmlns="" val="tx"/>
                     </a:ext>
                   </a:extLst>
                 </a:hlinkClick>
@@ -8965,7 +8965,7 @@
                 <a:hlinkClick r:id="rId3">
                   <a:extLst>
                     <a:ext uri="{A12FA001-AC4F-418D-AE19-62706E023703}">
-                      <ahyp:hlinkClr xmlns="" xmlns:ahyp="http://schemas.microsoft.com/office/drawing/2018/hyperlinkcolor" xmlns:lc="http://schemas.openxmlformats.org/drawingml/2006/lockedCanvas" val="tx"/>
+                      <ahyp:hlinkClr xmlns:lc="http://schemas.openxmlformats.org/drawingml/2006/lockedCanvas" xmlns:ahyp="http://schemas.microsoft.com/office/drawing/2018/hyperlinkcolor" xmlns="" val="tx"/>
                     </a:ext>
                   </a:extLst>
                 </a:hlinkClick>
@@ -8995,7 +8995,7 @@
                 <a:hlinkClick r:id="rId4">
                   <a:extLst>
                     <a:ext uri="{A12FA001-AC4F-418D-AE19-62706E023703}">
-                      <ahyp:hlinkClr xmlns="" xmlns:ahyp="http://schemas.microsoft.com/office/drawing/2018/hyperlinkcolor" xmlns:lc="http://schemas.openxmlformats.org/drawingml/2006/lockedCanvas" val="tx"/>
+                      <ahyp:hlinkClr xmlns:lc="http://schemas.openxmlformats.org/drawingml/2006/lockedCanvas" xmlns:ahyp="http://schemas.microsoft.com/office/drawing/2018/hyperlinkcolor" xmlns="" val="tx"/>
                     </a:ext>
                   </a:extLst>
                 </a:hlinkClick>
@@ -9010,7 +9010,7 @@
                 <a:hlinkClick r:id="rId4">
                   <a:extLst>
                     <a:ext uri="{A12FA001-AC4F-418D-AE19-62706E023703}">
-                      <ahyp:hlinkClr xmlns="" xmlns:ahyp="http://schemas.microsoft.com/office/drawing/2018/hyperlinkcolor" xmlns:lc="http://schemas.openxmlformats.org/drawingml/2006/lockedCanvas" val="tx"/>
+                      <ahyp:hlinkClr xmlns:lc="http://schemas.openxmlformats.org/drawingml/2006/lockedCanvas" xmlns:ahyp="http://schemas.microsoft.com/office/drawing/2018/hyperlinkcolor" xmlns="" val="tx"/>
                     </a:ext>
                   </a:extLst>
                 </a:hlinkClick>
@@ -9025,7 +9025,7 @@
                 <a:hlinkClick r:id="rId4">
                   <a:extLst>
                     <a:ext uri="{A12FA001-AC4F-418D-AE19-62706E023703}">
-                      <ahyp:hlinkClr xmlns="" xmlns:ahyp="http://schemas.microsoft.com/office/drawing/2018/hyperlinkcolor" xmlns:lc="http://schemas.openxmlformats.org/drawingml/2006/lockedCanvas" val="tx"/>
+                      <ahyp:hlinkClr xmlns:lc="http://schemas.openxmlformats.org/drawingml/2006/lockedCanvas" xmlns:ahyp="http://schemas.microsoft.com/office/drawing/2018/hyperlinkcolor" xmlns="" val="tx"/>
                     </a:ext>
                   </a:extLst>
                 </a:hlinkClick>
@@ -9126,7 +9126,7 @@
                 <a:hlinkClick r:id="rId2">
                   <a:extLst>
                     <a:ext uri="{A12FA001-AC4F-418D-AE19-62706E023703}">
-                      <ahyp:hlinkClr xmlns="" xmlns:ahyp="http://schemas.microsoft.com/office/drawing/2018/hyperlinkcolor" xmlns:lc="http://schemas.openxmlformats.org/drawingml/2006/lockedCanvas" val="tx"/>
+                      <ahyp:hlinkClr xmlns:lc="http://schemas.openxmlformats.org/drawingml/2006/lockedCanvas" xmlns:ahyp="http://schemas.microsoft.com/office/drawing/2018/hyperlinkcolor" xmlns="" val="tx"/>
                     </a:ext>
                   </a:extLst>
                 </a:hlinkClick>
@@ -9141,7 +9141,7 @@
                 <a:hlinkClick r:id="rId2">
                   <a:extLst>
                     <a:ext uri="{A12FA001-AC4F-418D-AE19-62706E023703}">
-                      <ahyp:hlinkClr xmlns="" xmlns:ahyp="http://schemas.microsoft.com/office/drawing/2018/hyperlinkcolor" xmlns:lc="http://schemas.openxmlformats.org/drawingml/2006/lockedCanvas" val="tx"/>
+                      <ahyp:hlinkClr xmlns:lc="http://schemas.openxmlformats.org/drawingml/2006/lockedCanvas" xmlns:ahyp="http://schemas.microsoft.com/office/drawing/2018/hyperlinkcolor" xmlns="" val="tx"/>
                     </a:ext>
                   </a:extLst>
                 </a:hlinkClick>
@@ -9258,7 +9258,7 @@
                 <a:hlinkClick r:id="rId2">
                   <a:extLst>
                     <a:ext uri="{A12FA001-AC4F-418D-AE19-62706E023703}">
-                      <ahyp:hlinkClr xmlns="" xmlns:ahyp="http://schemas.microsoft.com/office/drawing/2018/hyperlinkcolor" xmlns:lc="http://schemas.openxmlformats.org/drawingml/2006/lockedCanvas" val="tx"/>
+                      <ahyp:hlinkClr xmlns:lc="http://schemas.openxmlformats.org/drawingml/2006/lockedCanvas" xmlns:ahyp="http://schemas.microsoft.com/office/drawing/2018/hyperlinkcolor" xmlns="" val="tx"/>
                     </a:ext>
                   </a:extLst>
                 </a:hlinkClick>
@@ -9288,7 +9288,7 @@
                 <a:hlinkClick r:id="rId3">
                   <a:extLst>
                     <a:ext uri="{A12FA001-AC4F-418D-AE19-62706E023703}">
-                      <ahyp:hlinkClr xmlns="" xmlns:ahyp="http://schemas.microsoft.com/office/drawing/2018/hyperlinkcolor" xmlns:lc="http://schemas.openxmlformats.org/drawingml/2006/lockedCanvas" val="tx"/>
+                      <ahyp:hlinkClr xmlns:lc="http://schemas.openxmlformats.org/drawingml/2006/lockedCanvas" xmlns:ahyp="http://schemas.microsoft.com/office/drawing/2018/hyperlinkcolor" xmlns="" val="tx"/>
                     </a:ext>
                   </a:extLst>
                 </a:hlinkClick>
@@ -9318,7 +9318,7 @@
                 <a:hlinkClick r:id="rId4">
                   <a:extLst>
                     <a:ext uri="{A12FA001-AC4F-418D-AE19-62706E023703}">
-                      <ahyp:hlinkClr xmlns="" xmlns:ahyp="http://schemas.microsoft.com/office/drawing/2018/hyperlinkcolor" xmlns:lc="http://schemas.openxmlformats.org/drawingml/2006/lockedCanvas" val="tx"/>
+                      <ahyp:hlinkClr xmlns:lc="http://schemas.openxmlformats.org/drawingml/2006/lockedCanvas" xmlns:ahyp="http://schemas.microsoft.com/office/drawing/2018/hyperlinkcolor" xmlns="" val="tx"/>
                     </a:ext>
                   </a:extLst>
                 </a:hlinkClick>
@@ -9556,7 +9556,7 @@
                 <a:hlinkClick r:id="rId2">
                   <a:extLst>
                     <a:ext uri="{A12FA001-AC4F-418D-AE19-62706E023703}">
-                      <ahyp:hlinkClr xmlns="" xmlns:ahyp="http://schemas.microsoft.com/office/drawing/2018/hyperlinkcolor" xmlns:lc="http://schemas.openxmlformats.org/drawingml/2006/lockedCanvas" val="tx"/>
+                      <ahyp:hlinkClr xmlns:lc="http://schemas.openxmlformats.org/drawingml/2006/lockedCanvas" xmlns:ahyp="http://schemas.microsoft.com/office/drawing/2018/hyperlinkcolor" xmlns="" val="tx"/>
                     </a:ext>
                   </a:extLst>
                 </a:hlinkClick>
@@ -9586,7 +9586,7 @@
                 <a:hlinkClick r:id="rId3">
                   <a:extLst>
                     <a:ext uri="{A12FA001-AC4F-418D-AE19-62706E023703}">
-                      <ahyp:hlinkClr xmlns="" xmlns:ahyp="http://schemas.microsoft.com/office/drawing/2018/hyperlinkcolor" xmlns:lc="http://schemas.openxmlformats.org/drawingml/2006/lockedCanvas" val="tx"/>
+                      <ahyp:hlinkClr xmlns:lc="http://schemas.openxmlformats.org/drawingml/2006/lockedCanvas" xmlns:ahyp="http://schemas.microsoft.com/office/drawing/2018/hyperlinkcolor" xmlns="" val="tx"/>
                     </a:ext>
                   </a:extLst>
                 </a:hlinkClick>
@@ -9616,7 +9616,7 @@
                 <a:hlinkClick r:id="rId4">
                   <a:extLst>
                     <a:ext uri="{A12FA001-AC4F-418D-AE19-62706E023703}">
-                      <ahyp:hlinkClr xmlns="" xmlns:ahyp="http://schemas.microsoft.com/office/drawing/2018/hyperlinkcolor" xmlns:lc="http://schemas.openxmlformats.org/drawingml/2006/lockedCanvas" val="tx"/>
+                      <ahyp:hlinkClr xmlns:lc="http://schemas.openxmlformats.org/drawingml/2006/lockedCanvas" xmlns:ahyp="http://schemas.microsoft.com/office/drawing/2018/hyperlinkcolor" xmlns="" val="tx"/>
                     </a:ext>
                   </a:extLst>
                 </a:hlinkClick>
@@ -9646,7 +9646,7 @@
                 <a:hlinkClick r:id="rId5">
                   <a:extLst>
                     <a:ext uri="{A12FA001-AC4F-418D-AE19-62706E023703}">
-                      <ahyp:hlinkClr xmlns="" xmlns:ahyp="http://schemas.microsoft.com/office/drawing/2018/hyperlinkcolor" xmlns:lc="http://schemas.openxmlformats.org/drawingml/2006/lockedCanvas" val="tx"/>
+                      <ahyp:hlinkClr xmlns:lc="http://schemas.openxmlformats.org/drawingml/2006/lockedCanvas" xmlns:ahyp="http://schemas.microsoft.com/office/drawing/2018/hyperlinkcolor" xmlns="" val="tx"/>
                     </a:ext>
                   </a:extLst>
                 </a:hlinkClick>
@@ -9676,7 +9676,7 @@
                 <a:hlinkClick r:id="rId6">
                   <a:extLst>
                     <a:ext uri="{A12FA001-AC4F-418D-AE19-62706E023703}">
-                      <ahyp:hlinkClr xmlns="" xmlns:ahyp="http://schemas.microsoft.com/office/drawing/2018/hyperlinkcolor" xmlns:lc="http://schemas.openxmlformats.org/drawingml/2006/lockedCanvas" val="tx"/>
+                      <ahyp:hlinkClr xmlns:lc="http://schemas.openxmlformats.org/drawingml/2006/lockedCanvas" xmlns:ahyp="http://schemas.microsoft.com/office/drawing/2018/hyperlinkcolor" xmlns="" val="tx"/>
                     </a:ext>
                   </a:extLst>
                 </a:hlinkClick>
@@ -9706,7 +9706,7 @@
                 <a:hlinkClick r:id="rId7">
                   <a:extLst>
                     <a:ext uri="{A12FA001-AC4F-418D-AE19-62706E023703}">
-                      <ahyp:hlinkClr xmlns="" xmlns:ahyp="http://schemas.microsoft.com/office/drawing/2018/hyperlinkcolor" xmlns:lc="http://schemas.openxmlformats.org/drawingml/2006/lockedCanvas" val="tx"/>
+                      <ahyp:hlinkClr xmlns:lc="http://schemas.openxmlformats.org/drawingml/2006/lockedCanvas" xmlns:ahyp="http://schemas.microsoft.com/office/drawing/2018/hyperlinkcolor" xmlns="" val="tx"/>
                     </a:ext>
                   </a:extLst>
                 </a:hlinkClick>
@@ -9721,7 +9721,7 @@
                 <a:hlinkClick r:id="rId7">
                   <a:extLst>
                     <a:ext uri="{A12FA001-AC4F-418D-AE19-62706E023703}">
-                      <ahyp:hlinkClr xmlns="" xmlns:ahyp="http://schemas.microsoft.com/office/drawing/2018/hyperlinkcolor" xmlns:lc="http://schemas.openxmlformats.org/drawingml/2006/lockedCanvas" val="tx"/>
+                      <ahyp:hlinkClr xmlns:lc="http://schemas.openxmlformats.org/drawingml/2006/lockedCanvas" xmlns:ahyp="http://schemas.microsoft.com/office/drawing/2018/hyperlinkcolor" xmlns="" val="tx"/>
                     </a:ext>
                   </a:extLst>
                 </a:hlinkClick>
@@ -9861,7 +9861,7 @@
                 <a:hlinkClick r:id="rId3">
                   <a:extLst>
                     <a:ext uri="{A12FA001-AC4F-418D-AE19-62706E023703}">
-                      <ahyp:hlinkClr xmlns="" xmlns:ahyp="http://schemas.microsoft.com/office/drawing/2018/hyperlinkcolor" xmlns:lc="http://schemas.openxmlformats.org/drawingml/2006/lockedCanvas" val="tx"/>
+                      <ahyp:hlinkClr xmlns:lc="http://schemas.openxmlformats.org/drawingml/2006/lockedCanvas" xmlns:ahyp="http://schemas.microsoft.com/office/drawing/2018/hyperlinkcolor" xmlns="" val="tx"/>
                     </a:ext>
                   </a:extLst>
                 </a:hlinkClick>
@@ -9891,7 +9891,7 @@
                 <a:hlinkClick r:id="rId4">
                   <a:extLst>
                     <a:ext uri="{A12FA001-AC4F-418D-AE19-62706E023703}">
-                      <ahyp:hlinkClr xmlns="" xmlns:ahyp="http://schemas.microsoft.com/office/drawing/2018/hyperlinkcolor" xmlns:lc="http://schemas.openxmlformats.org/drawingml/2006/lockedCanvas" val="tx"/>
+                      <ahyp:hlinkClr xmlns:lc="http://schemas.openxmlformats.org/drawingml/2006/lockedCanvas" xmlns:ahyp="http://schemas.microsoft.com/office/drawing/2018/hyperlinkcolor" xmlns="" val="tx"/>
                     </a:ext>
                   </a:extLst>
                 </a:hlinkClick>
@@ -9921,7 +9921,7 @@
                 <a:hlinkClick r:id="rId5">
                   <a:extLst>
                     <a:ext uri="{A12FA001-AC4F-418D-AE19-62706E023703}">
-                      <ahyp:hlinkClr xmlns="" xmlns:ahyp="http://schemas.microsoft.com/office/drawing/2018/hyperlinkcolor" xmlns:lc="http://schemas.openxmlformats.org/drawingml/2006/lockedCanvas" val="tx"/>
+                      <ahyp:hlinkClr xmlns:lc="http://schemas.openxmlformats.org/drawingml/2006/lockedCanvas" xmlns:ahyp="http://schemas.microsoft.com/office/drawing/2018/hyperlinkcolor" xmlns="" val="tx"/>
                     </a:ext>
                   </a:extLst>
                 </a:hlinkClick>
@@ -9951,7 +9951,7 @@
                 <a:hlinkClick r:id="rId6">
                   <a:extLst>
                     <a:ext uri="{A12FA001-AC4F-418D-AE19-62706E023703}">
-                      <ahyp:hlinkClr xmlns="" xmlns:ahyp="http://schemas.microsoft.com/office/drawing/2018/hyperlinkcolor" xmlns:lc="http://schemas.openxmlformats.org/drawingml/2006/lockedCanvas" val="tx"/>
+                      <ahyp:hlinkClr xmlns:lc="http://schemas.openxmlformats.org/drawingml/2006/lockedCanvas" xmlns:ahyp="http://schemas.microsoft.com/office/drawing/2018/hyperlinkcolor" xmlns="" val="tx"/>
                     </a:ext>
                   </a:extLst>
                 </a:hlinkClick>
@@ -9981,7 +9981,7 @@
                 <a:hlinkClick r:id="rId7">
                   <a:extLst>
                     <a:ext uri="{A12FA001-AC4F-418D-AE19-62706E023703}">
-                      <ahyp:hlinkClr xmlns="" xmlns:ahyp="http://schemas.microsoft.com/office/drawing/2018/hyperlinkcolor" xmlns:lc="http://schemas.openxmlformats.org/drawingml/2006/lockedCanvas" val="tx"/>
+                      <ahyp:hlinkClr xmlns:lc="http://schemas.openxmlformats.org/drawingml/2006/lockedCanvas" xmlns:ahyp="http://schemas.microsoft.com/office/drawing/2018/hyperlinkcolor" xmlns="" val="tx"/>
                     </a:ext>
                   </a:extLst>
                 </a:hlinkClick>
@@ -10011,7 +10011,7 @@
                 <a:hlinkClick r:id="rId8">
                   <a:extLst>
                     <a:ext uri="{A12FA001-AC4F-418D-AE19-62706E023703}">
-                      <ahyp:hlinkClr xmlns="" xmlns:ahyp="http://schemas.microsoft.com/office/drawing/2018/hyperlinkcolor" xmlns:lc="http://schemas.openxmlformats.org/drawingml/2006/lockedCanvas" val="tx"/>
+                      <ahyp:hlinkClr xmlns:lc="http://schemas.openxmlformats.org/drawingml/2006/lockedCanvas" xmlns:ahyp="http://schemas.microsoft.com/office/drawing/2018/hyperlinkcolor" xmlns="" val="tx"/>
                     </a:ext>
                   </a:extLst>
                 </a:hlinkClick>
@@ -10041,7 +10041,7 @@
                 <a:hlinkClick r:id="rId9">
                   <a:extLst>
                     <a:ext uri="{A12FA001-AC4F-418D-AE19-62706E023703}">
-                      <ahyp:hlinkClr xmlns="" xmlns:ahyp="http://schemas.microsoft.com/office/drawing/2018/hyperlinkcolor" xmlns:lc="http://schemas.openxmlformats.org/drawingml/2006/lockedCanvas" val="tx"/>
+                      <ahyp:hlinkClr xmlns:lc="http://schemas.openxmlformats.org/drawingml/2006/lockedCanvas" xmlns:ahyp="http://schemas.microsoft.com/office/drawing/2018/hyperlinkcolor" xmlns="" val="tx"/>
                     </a:ext>
                   </a:extLst>
                 </a:hlinkClick>
@@ -10056,7 +10056,7 @@
                 <a:hlinkClick r:id="rId9">
                   <a:extLst>
                     <a:ext uri="{A12FA001-AC4F-418D-AE19-62706E023703}">
-                      <ahyp:hlinkClr xmlns="" xmlns:ahyp="http://schemas.microsoft.com/office/drawing/2018/hyperlinkcolor" xmlns:lc="http://schemas.openxmlformats.org/drawingml/2006/lockedCanvas" val="tx"/>
+                      <ahyp:hlinkClr xmlns:lc="http://schemas.openxmlformats.org/drawingml/2006/lockedCanvas" xmlns:ahyp="http://schemas.microsoft.com/office/drawing/2018/hyperlinkcolor" xmlns="" val="tx"/>
                     </a:ext>
                   </a:extLst>
                 </a:hlinkClick>
@@ -10086,7 +10086,7 @@
                 <a:hlinkClick r:id="rId10">
                   <a:extLst>
                     <a:ext uri="{A12FA001-AC4F-418D-AE19-62706E023703}">
-                      <ahyp:hlinkClr xmlns="" xmlns:ahyp="http://schemas.microsoft.com/office/drawing/2018/hyperlinkcolor" xmlns:lc="http://schemas.openxmlformats.org/drawingml/2006/lockedCanvas" val="tx"/>
+                      <ahyp:hlinkClr xmlns:lc="http://schemas.openxmlformats.org/drawingml/2006/lockedCanvas" xmlns:ahyp="http://schemas.microsoft.com/office/drawing/2018/hyperlinkcolor" xmlns="" val="tx"/>
                     </a:ext>
                   </a:extLst>
                 </a:hlinkClick>
@@ -10101,7 +10101,7 @@
                 <a:hlinkClick r:id="rId10">
                   <a:extLst>
                     <a:ext uri="{A12FA001-AC4F-418D-AE19-62706E023703}">
-                      <ahyp:hlinkClr xmlns="" xmlns:ahyp="http://schemas.microsoft.com/office/drawing/2018/hyperlinkcolor" xmlns:lc="http://schemas.openxmlformats.org/drawingml/2006/lockedCanvas" val="tx"/>
+                      <ahyp:hlinkClr xmlns:lc="http://schemas.openxmlformats.org/drawingml/2006/lockedCanvas" xmlns:ahyp="http://schemas.microsoft.com/office/drawing/2018/hyperlinkcolor" xmlns="" val="tx"/>
                     </a:ext>
                   </a:extLst>
                 </a:hlinkClick>
@@ -10230,7 +10230,7 @@
                 <a:hlinkClick r:id="rId2">
                   <a:extLst>
                     <a:ext uri="{A12FA001-AC4F-418D-AE19-62706E023703}">
-                      <ahyp:hlinkClr xmlns="" xmlns:ahyp="http://schemas.microsoft.com/office/drawing/2018/hyperlinkcolor" xmlns:lc="http://schemas.openxmlformats.org/drawingml/2006/lockedCanvas" val="tx"/>
+                      <ahyp:hlinkClr xmlns:lc="http://schemas.openxmlformats.org/drawingml/2006/lockedCanvas" xmlns:ahyp="http://schemas.microsoft.com/office/drawing/2018/hyperlinkcolor" xmlns="" val="tx"/>
                     </a:ext>
                   </a:extLst>
                 </a:hlinkClick>
@@ -10260,7 +10260,7 @@
                 <a:hlinkClick r:id="rId3">
                   <a:extLst>
                     <a:ext uri="{A12FA001-AC4F-418D-AE19-62706E023703}">
-                      <ahyp:hlinkClr xmlns="" xmlns:ahyp="http://schemas.microsoft.com/office/drawing/2018/hyperlinkcolor" xmlns:lc="http://schemas.openxmlformats.org/drawingml/2006/lockedCanvas" val="tx"/>
+                      <ahyp:hlinkClr xmlns:lc="http://schemas.openxmlformats.org/drawingml/2006/lockedCanvas" xmlns:ahyp="http://schemas.microsoft.com/office/drawing/2018/hyperlinkcolor" xmlns="" val="tx"/>
                     </a:ext>
                   </a:extLst>
                 </a:hlinkClick>
@@ -10290,7 +10290,7 @@
                 <a:hlinkClick r:id="rId4">
                   <a:extLst>
                     <a:ext uri="{A12FA001-AC4F-418D-AE19-62706E023703}">
-                      <ahyp:hlinkClr xmlns="" xmlns:ahyp="http://schemas.microsoft.com/office/drawing/2018/hyperlinkcolor" xmlns:lc="http://schemas.openxmlformats.org/drawingml/2006/lockedCanvas" val="tx"/>
+                      <ahyp:hlinkClr xmlns:lc="http://schemas.openxmlformats.org/drawingml/2006/lockedCanvas" xmlns:ahyp="http://schemas.microsoft.com/office/drawing/2018/hyperlinkcolor" xmlns="" val="tx"/>
                     </a:ext>
                   </a:extLst>
                 </a:hlinkClick>
@@ -10320,7 +10320,7 @@
                 <a:hlinkClick r:id="rId5">
                   <a:extLst>
                     <a:ext uri="{A12FA001-AC4F-418D-AE19-62706E023703}">
-                      <ahyp:hlinkClr xmlns="" xmlns:ahyp="http://schemas.microsoft.com/office/drawing/2018/hyperlinkcolor" xmlns:lc="http://schemas.openxmlformats.org/drawingml/2006/lockedCanvas" val="tx"/>
+                      <ahyp:hlinkClr xmlns:lc="http://schemas.openxmlformats.org/drawingml/2006/lockedCanvas" xmlns:ahyp="http://schemas.microsoft.com/office/drawing/2018/hyperlinkcolor" xmlns="" val="tx"/>
                     </a:ext>
                   </a:extLst>
                 </a:hlinkClick>
@@ -10350,7 +10350,7 @@
                 <a:hlinkClick r:id="rId6">
                   <a:extLst>
                     <a:ext uri="{A12FA001-AC4F-418D-AE19-62706E023703}">
-                      <ahyp:hlinkClr xmlns="" xmlns:ahyp="http://schemas.microsoft.com/office/drawing/2018/hyperlinkcolor" xmlns:lc="http://schemas.openxmlformats.org/drawingml/2006/lockedCanvas" val="tx"/>
+                      <ahyp:hlinkClr xmlns:lc="http://schemas.openxmlformats.org/drawingml/2006/lockedCanvas" xmlns:ahyp="http://schemas.microsoft.com/office/drawing/2018/hyperlinkcolor" xmlns="" val="tx"/>
                     </a:ext>
                   </a:extLst>
                 </a:hlinkClick>
@@ -10380,7 +10380,7 @@
                 <a:hlinkClick r:id="rId7">
                   <a:extLst>
                     <a:ext uri="{A12FA001-AC4F-418D-AE19-62706E023703}">
-                      <ahyp:hlinkClr xmlns="" xmlns:ahyp="http://schemas.microsoft.com/office/drawing/2018/hyperlinkcolor" xmlns:lc="http://schemas.openxmlformats.org/drawingml/2006/lockedCanvas" val="tx"/>
+                      <ahyp:hlinkClr xmlns:lc="http://schemas.openxmlformats.org/drawingml/2006/lockedCanvas" xmlns:ahyp="http://schemas.microsoft.com/office/drawing/2018/hyperlinkcolor" xmlns="" val="tx"/>
                     </a:ext>
                   </a:extLst>
                 </a:hlinkClick>
@@ -10410,7 +10410,7 @@
                 <a:hlinkClick r:id="rId8">
                   <a:extLst>
                     <a:ext uri="{A12FA001-AC4F-418D-AE19-62706E023703}">
-                      <ahyp:hlinkClr xmlns="" xmlns:ahyp="http://schemas.microsoft.com/office/drawing/2018/hyperlinkcolor" xmlns:lc="http://schemas.openxmlformats.org/drawingml/2006/lockedCanvas" val="tx"/>
+                      <ahyp:hlinkClr xmlns:lc="http://schemas.openxmlformats.org/drawingml/2006/lockedCanvas" xmlns:ahyp="http://schemas.microsoft.com/office/drawing/2018/hyperlinkcolor" xmlns="" val="tx"/>
                     </a:ext>
                   </a:extLst>
                 </a:hlinkClick>
@@ -10520,7 +10520,7 @@
                 <a:hlinkClick r:id="rId2">
                   <a:extLst>
                     <a:ext uri="{A12FA001-AC4F-418D-AE19-62706E023703}">
-                      <ahyp:hlinkClr xmlns="" xmlns:ahyp="http://schemas.microsoft.com/office/drawing/2018/hyperlinkcolor" xmlns:lc="http://schemas.openxmlformats.org/drawingml/2006/lockedCanvas" val="tx"/>
+                      <ahyp:hlinkClr xmlns:lc="http://schemas.openxmlformats.org/drawingml/2006/lockedCanvas" xmlns:ahyp="http://schemas.microsoft.com/office/drawing/2018/hyperlinkcolor" xmlns="" val="tx"/>
                     </a:ext>
                   </a:extLst>
                 </a:hlinkClick>
@@ -10550,7 +10550,7 @@
                 <a:hlinkClick r:id="rId3">
                   <a:extLst>
                     <a:ext uri="{A12FA001-AC4F-418D-AE19-62706E023703}">
-                      <ahyp:hlinkClr xmlns="" xmlns:ahyp="http://schemas.microsoft.com/office/drawing/2018/hyperlinkcolor" xmlns:lc="http://schemas.openxmlformats.org/drawingml/2006/lockedCanvas" val="tx"/>
+                      <ahyp:hlinkClr xmlns:lc="http://schemas.openxmlformats.org/drawingml/2006/lockedCanvas" xmlns:ahyp="http://schemas.microsoft.com/office/drawing/2018/hyperlinkcolor" xmlns="" val="tx"/>
                     </a:ext>
                   </a:extLst>
                 </a:hlinkClick>
@@ -10580,7 +10580,7 @@
                 <a:hlinkClick r:id="rId4">
                   <a:extLst>
                     <a:ext uri="{A12FA001-AC4F-418D-AE19-62706E023703}">
-                      <ahyp:hlinkClr xmlns="" xmlns:ahyp="http://schemas.microsoft.com/office/drawing/2018/hyperlinkcolor" xmlns:lc="http://schemas.openxmlformats.org/drawingml/2006/lockedCanvas" val="tx"/>
+                      <ahyp:hlinkClr xmlns:lc="http://schemas.openxmlformats.org/drawingml/2006/lockedCanvas" xmlns:ahyp="http://schemas.microsoft.com/office/drawing/2018/hyperlinkcolor" xmlns="" val="tx"/>
                     </a:ext>
                   </a:extLst>
                 </a:hlinkClick>
@@ -10610,7 +10610,7 @@
                 <a:hlinkClick r:id="rId5">
                   <a:extLst>
                     <a:ext uri="{A12FA001-AC4F-418D-AE19-62706E023703}">
-                      <ahyp:hlinkClr xmlns="" xmlns:ahyp="http://schemas.microsoft.com/office/drawing/2018/hyperlinkcolor" xmlns:lc="http://schemas.openxmlformats.org/drawingml/2006/lockedCanvas" val="tx"/>
+                      <ahyp:hlinkClr xmlns:lc="http://schemas.openxmlformats.org/drawingml/2006/lockedCanvas" xmlns:ahyp="http://schemas.microsoft.com/office/drawing/2018/hyperlinkcolor" xmlns="" val="tx"/>
                     </a:ext>
                   </a:extLst>
                 </a:hlinkClick>
@@ -10640,7 +10640,7 @@
                 <a:hlinkClick r:id="rId6">
                   <a:extLst>
                     <a:ext uri="{A12FA001-AC4F-418D-AE19-62706E023703}">
-                      <ahyp:hlinkClr xmlns="" xmlns:ahyp="http://schemas.microsoft.com/office/drawing/2018/hyperlinkcolor" xmlns:lc="http://schemas.openxmlformats.org/drawingml/2006/lockedCanvas" val="tx"/>
+                      <ahyp:hlinkClr xmlns:lc="http://schemas.openxmlformats.org/drawingml/2006/lockedCanvas" xmlns:ahyp="http://schemas.microsoft.com/office/drawing/2018/hyperlinkcolor" xmlns="" val="tx"/>
                     </a:ext>
                   </a:extLst>
                 </a:hlinkClick>
@@ -10670,7 +10670,7 @@
                 <a:hlinkClick r:id="rId7">
                   <a:extLst>
                     <a:ext uri="{A12FA001-AC4F-418D-AE19-62706E023703}">
-                      <ahyp:hlinkClr xmlns="" xmlns:ahyp="http://schemas.microsoft.com/office/drawing/2018/hyperlinkcolor" xmlns:lc="http://schemas.openxmlformats.org/drawingml/2006/lockedCanvas" val="tx"/>
+                      <ahyp:hlinkClr xmlns:lc="http://schemas.openxmlformats.org/drawingml/2006/lockedCanvas" xmlns:ahyp="http://schemas.microsoft.com/office/drawing/2018/hyperlinkcolor" xmlns="" val="tx"/>
                     </a:ext>
                   </a:extLst>
                 </a:hlinkClick>
@@ -10700,7 +10700,7 @@
                 <a:hlinkClick r:id="rId8">
                   <a:extLst>
                     <a:ext uri="{A12FA001-AC4F-418D-AE19-62706E023703}">
-                      <ahyp:hlinkClr xmlns="" xmlns:ahyp="http://schemas.microsoft.com/office/drawing/2018/hyperlinkcolor" xmlns:lc="http://schemas.openxmlformats.org/drawingml/2006/lockedCanvas" val="tx"/>
+                      <ahyp:hlinkClr xmlns:lc="http://schemas.openxmlformats.org/drawingml/2006/lockedCanvas" xmlns:ahyp="http://schemas.microsoft.com/office/drawing/2018/hyperlinkcolor" xmlns="" val="tx"/>
                     </a:ext>
                   </a:extLst>
                 </a:hlinkClick>
@@ -10730,7 +10730,7 @@
                 <a:hlinkClick r:id="rId9">
                   <a:extLst>
                     <a:ext uri="{A12FA001-AC4F-418D-AE19-62706E023703}">
-                      <ahyp:hlinkClr xmlns="" xmlns:ahyp="http://schemas.microsoft.com/office/drawing/2018/hyperlinkcolor" xmlns:lc="http://schemas.openxmlformats.org/drawingml/2006/lockedCanvas" val="tx"/>
+                      <ahyp:hlinkClr xmlns:lc="http://schemas.openxmlformats.org/drawingml/2006/lockedCanvas" xmlns:ahyp="http://schemas.microsoft.com/office/drawing/2018/hyperlinkcolor" xmlns="" val="tx"/>
                     </a:ext>
                   </a:extLst>
                 </a:hlinkClick>
@@ -10838,7 +10838,7 @@
                 <a:hlinkClick r:id="rId2">
                   <a:extLst>
                     <a:ext uri="{A12FA001-AC4F-418D-AE19-62706E023703}">
-                      <ahyp:hlinkClr xmlns="" xmlns:ahyp="http://schemas.microsoft.com/office/drawing/2018/hyperlinkcolor" xmlns:lc="http://schemas.openxmlformats.org/drawingml/2006/lockedCanvas" val="tx"/>
+                      <ahyp:hlinkClr xmlns:lc="http://schemas.openxmlformats.org/drawingml/2006/lockedCanvas" xmlns:ahyp="http://schemas.microsoft.com/office/drawing/2018/hyperlinkcolor" xmlns="" val="tx"/>
                     </a:ext>
                   </a:extLst>
                 </a:hlinkClick>
@@ -10868,7 +10868,7 @@
                 <a:hlinkClick r:id="rId3">
                   <a:extLst>
                     <a:ext uri="{A12FA001-AC4F-418D-AE19-62706E023703}">
-                      <ahyp:hlinkClr xmlns="" xmlns:ahyp="http://schemas.microsoft.com/office/drawing/2018/hyperlinkcolor" xmlns:lc="http://schemas.openxmlformats.org/drawingml/2006/lockedCanvas" val="tx"/>
+                      <ahyp:hlinkClr xmlns:lc="http://schemas.openxmlformats.org/drawingml/2006/lockedCanvas" xmlns:ahyp="http://schemas.microsoft.com/office/drawing/2018/hyperlinkcolor" xmlns="" val="tx"/>
                     </a:ext>
                   </a:extLst>
                 </a:hlinkClick>
@@ -10898,7 +10898,7 @@
                 <a:hlinkClick r:id="rId4">
                   <a:extLst>
                     <a:ext uri="{A12FA001-AC4F-418D-AE19-62706E023703}">
-                      <ahyp:hlinkClr xmlns="" xmlns:ahyp="http://schemas.microsoft.com/office/drawing/2018/hyperlinkcolor" xmlns:lc="http://schemas.openxmlformats.org/drawingml/2006/lockedCanvas" val="tx"/>
+                      <ahyp:hlinkClr xmlns:lc="http://schemas.openxmlformats.org/drawingml/2006/lockedCanvas" xmlns:ahyp="http://schemas.microsoft.com/office/drawing/2018/hyperlinkcolor" xmlns="" val="tx"/>
                     </a:ext>
                   </a:extLst>
                 </a:hlinkClick>
@@ -10928,7 +10928,7 @@
                 <a:hlinkClick r:id="rId5">
                   <a:extLst>
                     <a:ext uri="{A12FA001-AC4F-418D-AE19-62706E023703}">
-                      <ahyp:hlinkClr xmlns="" xmlns:ahyp="http://schemas.microsoft.com/office/drawing/2018/hyperlinkcolor" xmlns:lc="http://schemas.openxmlformats.org/drawingml/2006/lockedCanvas" val="tx"/>
+                      <ahyp:hlinkClr xmlns:lc="http://schemas.openxmlformats.org/drawingml/2006/lockedCanvas" xmlns:ahyp="http://schemas.microsoft.com/office/drawing/2018/hyperlinkcolor" xmlns="" val="tx"/>
                     </a:ext>
                   </a:extLst>
                 </a:hlinkClick>
@@ -10958,7 +10958,7 @@
                 <a:hlinkClick r:id="rId6">
                   <a:extLst>
                     <a:ext uri="{A12FA001-AC4F-418D-AE19-62706E023703}">
-                      <ahyp:hlinkClr xmlns="" xmlns:ahyp="http://schemas.microsoft.com/office/drawing/2018/hyperlinkcolor" xmlns:lc="http://schemas.openxmlformats.org/drawingml/2006/lockedCanvas" val="tx"/>
+                      <ahyp:hlinkClr xmlns:lc="http://schemas.openxmlformats.org/drawingml/2006/lockedCanvas" xmlns:ahyp="http://schemas.microsoft.com/office/drawing/2018/hyperlinkcolor" xmlns="" val="tx"/>
                     </a:ext>
                   </a:extLst>
                 </a:hlinkClick>
@@ -10988,7 +10988,7 @@
                 <a:hlinkClick r:id="rId7">
                   <a:extLst>
                     <a:ext uri="{A12FA001-AC4F-418D-AE19-62706E023703}">
-                      <ahyp:hlinkClr xmlns="" xmlns:ahyp="http://schemas.microsoft.com/office/drawing/2018/hyperlinkcolor" xmlns:lc="http://schemas.openxmlformats.org/drawingml/2006/lockedCanvas" val="tx"/>
+                      <ahyp:hlinkClr xmlns:lc="http://schemas.openxmlformats.org/drawingml/2006/lockedCanvas" xmlns:ahyp="http://schemas.microsoft.com/office/drawing/2018/hyperlinkcolor" xmlns="" val="tx"/>
                     </a:ext>
                   </a:extLst>
                 </a:hlinkClick>
@@ -11018,7 +11018,7 @@
                 <a:hlinkClick r:id="rId8">
                   <a:extLst>
                     <a:ext uri="{A12FA001-AC4F-418D-AE19-62706E023703}">
-                      <ahyp:hlinkClr xmlns="" xmlns:ahyp="http://schemas.microsoft.com/office/drawing/2018/hyperlinkcolor" xmlns:lc="http://schemas.openxmlformats.org/drawingml/2006/lockedCanvas" val="tx"/>
+                      <ahyp:hlinkClr xmlns:lc="http://schemas.openxmlformats.org/drawingml/2006/lockedCanvas" xmlns:ahyp="http://schemas.microsoft.com/office/drawing/2018/hyperlinkcolor" xmlns="" val="tx"/>
                     </a:ext>
                   </a:extLst>
                 </a:hlinkClick>
@@ -11138,7 +11138,7 @@
                 <a:hlinkClick r:id="rId2">
                   <a:extLst>
                     <a:ext uri="{A12FA001-AC4F-418D-AE19-62706E023703}">
-                      <ahyp:hlinkClr xmlns="" xmlns:ahyp="http://schemas.microsoft.com/office/drawing/2018/hyperlinkcolor" xmlns:lc="http://schemas.openxmlformats.org/drawingml/2006/lockedCanvas" val="tx"/>
+                      <ahyp:hlinkClr xmlns:lc="http://schemas.openxmlformats.org/drawingml/2006/lockedCanvas" xmlns:ahyp="http://schemas.microsoft.com/office/drawing/2018/hyperlinkcolor" xmlns="" val="tx"/>
                     </a:ext>
                   </a:extLst>
                 </a:hlinkClick>
@@ -11168,7 +11168,7 @@
                 <a:hlinkClick r:id="rId3">
                   <a:extLst>
                     <a:ext uri="{A12FA001-AC4F-418D-AE19-62706E023703}">
-                      <ahyp:hlinkClr xmlns="" xmlns:ahyp="http://schemas.microsoft.com/office/drawing/2018/hyperlinkcolor" xmlns:lc="http://schemas.openxmlformats.org/drawingml/2006/lockedCanvas" val="tx"/>
+                      <ahyp:hlinkClr xmlns:lc="http://schemas.openxmlformats.org/drawingml/2006/lockedCanvas" xmlns:ahyp="http://schemas.microsoft.com/office/drawing/2018/hyperlinkcolor" xmlns="" val="tx"/>
                     </a:ext>
                   </a:extLst>
                 </a:hlinkClick>
@@ -11198,7 +11198,7 @@
                 <a:hlinkClick r:id="rId4">
                   <a:extLst>
                     <a:ext uri="{A12FA001-AC4F-418D-AE19-62706E023703}">
-                      <ahyp:hlinkClr xmlns="" xmlns:ahyp="http://schemas.microsoft.com/office/drawing/2018/hyperlinkcolor" xmlns:lc="http://schemas.openxmlformats.org/drawingml/2006/lockedCanvas" val="tx"/>
+                      <ahyp:hlinkClr xmlns:lc="http://schemas.openxmlformats.org/drawingml/2006/lockedCanvas" xmlns:ahyp="http://schemas.microsoft.com/office/drawing/2018/hyperlinkcolor" xmlns="" val="tx"/>
                     </a:ext>
                   </a:extLst>
                 </a:hlinkClick>
@@ -11228,7 +11228,7 @@
                 <a:hlinkClick r:id="rId5">
                   <a:extLst>
                     <a:ext uri="{A12FA001-AC4F-418D-AE19-62706E023703}">
-                      <ahyp:hlinkClr xmlns="" xmlns:ahyp="http://schemas.microsoft.com/office/drawing/2018/hyperlinkcolor" xmlns:lc="http://schemas.openxmlformats.org/drawingml/2006/lockedCanvas" val="tx"/>
+                      <ahyp:hlinkClr xmlns:lc="http://schemas.openxmlformats.org/drawingml/2006/lockedCanvas" xmlns:ahyp="http://schemas.microsoft.com/office/drawing/2018/hyperlinkcolor" xmlns="" val="tx"/>
                     </a:ext>
                   </a:extLst>
                 </a:hlinkClick>
@@ -11258,7 +11258,7 @@
                 <a:hlinkClick r:id="rId6">
                   <a:extLst>
                     <a:ext uri="{A12FA001-AC4F-418D-AE19-62706E023703}">
-                      <ahyp:hlinkClr xmlns="" xmlns:ahyp="http://schemas.microsoft.com/office/drawing/2018/hyperlinkcolor" xmlns:lc="http://schemas.openxmlformats.org/drawingml/2006/lockedCanvas" val="tx"/>
+                      <ahyp:hlinkClr xmlns:lc="http://schemas.openxmlformats.org/drawingml/2006/lockedCanvas" xmlns:ahyp="http://schemas.microsoft.com/office/drawing/2018/hyperlinkcolor" xmlns="" val="tx"/>
                     </a:ext>
                   </a:extLst>
                 </a:hlinkClick>
@@ -11288,7 +11288,7 @@
                 <a:hlinkClick r:id="rId7">
                   <a:extLst>
                     <a:ext uri="{A12FA001-AC4F-418D-AE19-62706E023703}">
-                      <ahyp:hlinkClr xmlns="" xmlns:ahyp="http://schemas.microsoft.com/office/drawing/2018/hyperlinkcolor" xmlns:lc="http://schemas.openxmlformats.org/drawingml/2006/lockedCanvas" val="tx"/>
+                      <ahyp:hlinkClr xmlns:lc="http://schemas.openxmlformats.org/drawingml/2006/lockedCanvas" xmlns:ahyp="http://schemas.microsoft.com/office/drawing/2018/hyperlinkcolor" xmlns="" val="tx"/>
                     </a:ext>
                   </a:extLst>
                 </a:hlinkClick>
@@ -11318,7 +11318,7 @@
                 <a:hlinkClick r:id="rId8">
                   <a:extLst>
                     <a:ext uri="{A12FA001-AC4F-418D-AE19-62706E023703}">
-                      <ahyp:hlinkClr xmlns="" xmlns:ahyp="http://schemas.microsoft.com/office/drawing/2018/hyperlinkcolor" xmlns:lc="http://schemas.openxmlformats.org/drawingml/2006/lockedCanvas" val="tx"/>
+                      <ahyp:hlinkClr xmlns:lc="http://schemas.openxmlformats.org/drawingml/2006/lockedCanvas" xmlns:ahyp="http://schemas.microsoft.com/office/drawing/2018/hyperlinkcolor" xmlns="" val="tx"/>
                     </a:ext>
                   </a:extLst>
                 </a:hlinkClick>
@@ -11348,7 +11348,7 @@
                 <a:hlinkClick r:id="rId9">
                   <a:extLst>
                     <a:ext uri="{A12FA001-AC4F-418D-AE19-62706E023703}">
-                      <ahyp:hlinkClr xmlns="" xmlns:ahyp="http://schemas.microsoft.com/office/drawing/2018/hyperlinkcolor" xmlns:lc="http://schemas.openxmlformats.org/drawingml/2006/lockedCanvas" val="tx"/>
+                      <ahyp:hlinkClr xmlns:lc="http://schemas.openxmlformats.org/drawingml/2006/lockedCanvas" xmlns:ahyp="http://schemas.microsoft.com/office/drawing/2018/hyperlinkcolor" xmlns="" val="tx"/>
                     </a:ext>
                   </a:extLst>
                 </a:hlinkClick>
@@ -11363,7 +11363,7 @@
                 <a:hlinkClick r:id="rId9">
                   <a:extLst>
                     <a:ext uri="{A12FA001-AC4F-418D-AE19-62706E023703}">
-                      <ahyp:hlinkClr xmlns="" xmlns:ahyp="http://schemas.microsoft.com/office/drawing/2018/hyperlinkcolor" xmlns:lc="http://schemas.openxmlformats.org/drawingml/2006/lockedCanvas" val="tx"/>
+                      <ahyp:hlinkClr xmlns:lc="http://schemas.openxmlformats.org/drawingml/2006/lockedCanvas" xmlns:ahyp="http://schemas.microsoft.com/office/drawing/2018/hyperlinkcolor" xmlns="" val="tx"/>
                     </a:ext>
                   </a:extLst>
                 </a:hlinkClick>
@@ -11393,7 +11393,7 @@
                 <a:hlinkClick r:id="rId10">
                   <a:extLst>
                     <a:ext uri="{A12FA001-AC4F-418D-AE19-62706E023703}">
-                      <ahyp:hlinkClr xmlns="" xmlns:ahyp="http://schemas.microsoft.com/office/drawing/2018/hyperlinkcolor" xmlns:lc="http://schemas.openxmlformats.org/drawingml/2006/lockedCanvas" val="tx"/>
+                      <ahyp:hlinkClr xmlns:lc="http://schemas.openxmlformats.org/drawingml/2006/lockedCanvas" xmlns:ahyp="http://schemas.microsoft.com/office/drawing/2018/hyperlinkcolor" xmlns="" val="tx"/>
                     </a:ext>
                   </a:extLst>
                 </a:hlinkClick>
@@ -11423,7 +11423,7 @@
                 <a:hlinkClick r:id="rId11">
                   <a:extLst>
                     <a:ext uri="{A12FA001-AC4F-418D-AE19-62706E023703}">
-                      <ahyp:hlinkClr xmlns="" xmlns:ahyp="http://schemas.microsoft.com/office/drawing/2018/hyperlinkcolor" xmlns:lc="http://schemas.openxmlformats.org/drawingml/2006/lockedCanvas" val="tx"/>
+                      <ahyp:hlinkClr xmlns:lc="http://schemas.openxmlformats.org/drawingml/2006/lockedCanvas" xmlns:ahyp="http://schemas.microsoft.com/office/drawing/2018/hyperlinkcolor" xmlns="" val="tx"/>
                     </a:ext>
                   </a:extLst>
                 </a:hlinkClick>
@@ -11438,7 +11438,7 @@
                 <a:hlinkClick r:id="rId11">
                   <a:extLst>
                     <a:ext uri="{A12FA001-AC4F-418D-AE19-62706E023703}">
-                      <ahyp:hlinkClr xmlns="" xmlns:ahyp="http://schemas.microsoft.com/office/drawing/2018/hyperlinkcolor" xmlns:lc="http://schemas.openxmlformats.org/drawingml/2006/lockedCanvas" val="tx"/>
+                      <ahyp:hlinkClr xmlns:lc="http://schemas.openxmlformats.org/drawingml/2006/lockedCanvas" xmlns:ahyp="http://schemas.microsoft.com/office/drawing/2018/hyperlinkcolor" xmlns="" val="tx"/>
                     </a:ext>
                   </a:extLst>
                 </a:hlinkClick>
@@ -11468,7 +11468,7 @@
                 <a:hlinkClick r:id="rId12">
                   <a:extLst>
                     <a:ext uri="{A12FA001-AC4F-418D-AE19-62706E023703}">
-                      <ahyp:hlinkClr xmlns="" xmlns:ahyp="http://schemas.microsoft.com/office/drawing/2018/hyperlinkcolor" xmlns:lc="http://schemas.openxmlformats.org/drawingml/2006/lockedCanvas" val="tx"/>
+                      <ahyp:hlinkClr xmlns:lc="http://schemas.openxmlformats.org/drawingml/2006/lockedCanvas" xmlns:ahyp="http://schemas.microsoft.com/office/drawing/2018/hyperlinkcolor" xmlns="" val="tx"/>
                     </a:ext>
                   </a:extLst>
                 </a:hlinkClick>
@@ -11498,7 +11498,7 @@
                 <a:hlinkClick r:id="rId13">
                   <a:extLst>
                     <a:ext uri="{A12FA001-AC4F-418D-AE19-62706E023703}">
-                      <ahyp:hlinkClr xmlns="" xmlns:ahyp="http://schemas.microsoft.com/office/drawing/2018/hyperlinkcolor" xmlns:lc="http://schemas.openxmlformats.org/drawingml/2006/lockedCanvas" val="tx"/>
+                      <ahyp:hlinkClr xmlns:lc="http://schemas.openxmlformats.org/drawingml/2006/lockedCanvas" xmlns:ahyp="http://schemas.microsoft.com/office/drawing/2018/hyperlinkcolor" xmlns="" val="tx"/>
                     </a:ext>
                   </a:extLst>
                 </a:hlinkClick>
@@ -11528,7 +11528,7 @@
                 <a:hlinkClick r:id="rId14">
                   <a:extLst>
                     <a:ext uri="{A12FA001-AC4F-418D-AE19-62706E023703}">
-                      <ahyp:hlinkClr xmlns="" xmlns:ahyp="http://schemas.microsoft.com/office/drawing/2018/hyperlinkcolor" xmlns:lc="http://schemas.openxmlformats.org/drawingml/2006/lockedCanvas" val="tx"/>
+                      <ahyp:hlinkClr xmlns:lc="http://schemas.openxmlformats.org/drawingml/2006/lockedCanvas" xmlns:ahyp="http://schemas.microsoft.com/office/drawing/2018/hyperlinkcolor" xmlns="" val="tx"/>
                     </a:ext>
                   </a:extLst>
                 </a:hlinkClick>
@@ -11558,7 +11558,7 @@
                 <a:hlinkClick r:id="rId15">
                   <a:extLst>
                     <a:ext uri="{A12FA001-AC4F-418D-AE19-62706E023703}">
-                      <ahyp:hlinkClr xmlns="" xmlns:ahyp="http://schemas.microsoft.com/office/drawing/2018/hyperlinkcolor" xmlns:lc="http://schemas.openxmlformats.org/drawingml/2006/lockedCanvas" val="tx"/>
+                      <ahyp:hlinkClr xmlns:lc="http://schemas.openxmlformats.org/drawingml/2006/lockedCanvas" xmlns:ahyp="http://schemas.microsoft.com/office/drawing/2018/hyperlinkcolor" xmlns="" val="tx"/>
                     </a:ext>
                   </a:extLst>
                 </a:hlinkClick>
@@ -11588,7 +11588,7 @@
                 <a:hlinkClick r:id="rId16">
                   <a:extLst>
                     <a:ext uri="{A12FA001-AC4F-418D-AE19-62706E023703}">
-                      <ahyp:hlinkClr xmlns="" xmlns:ahyp="http://schemas.microsoft.com/office/drawing/2018/hyperlinkcolor" xmlns:lc="http://schemas.openxmlformats.org/drawingml/2006/lockedCanvas" val="tx"/>
+                      <ahyp:hlinkClr xmlns:lc="http://schemas.openxmlformats.org/drawingml/2006/lockedCanvas" xmlns:ahyp="http://schemas.microsoft.com/office/drawing/2018/hyperlinkcolor" xmlns="" val="tx"/>
                     </a:ext>
                   </a:extLst>
                 </a:hlinkClick>
@@ -11618,7 +11618,7 @@
                 <a:hlinkClick r:id="rId17">
                   <a:extLst>
                     <a:ext uri="{A12FA001-AC4F-418D-AE19-62706E023703}">
-                      <ahyp:hlinkClr xmlns="" xmlns:ahyp="http://schemas.microsoft.com/office/drawing/2018/hyperlinkcolor" xmlns:lc="http://schemas.openxmlformats.org/drawingml/2006/lockedCanvas" val="tx"/>
+                      <ahyp:hlinkClr xmlns:lc="http://schemas.openxmlformats.org/drawingml/2006/lockedCanvas" xmlns:ahyp="http://schemas.microsoft.com/office/drawing/2018/hyperlinkcolor" xmlns="" val="tx"/>
                     </a:ext>
                   </a:extLst>
                 </a:hlinkClick>
@@ -11633,7 +11633,7 @@
                 <a:hlinkClick r:id="rId17">
                   <a:extLst>
                     <a:ext uri="{A12FA001-AC4F-418D-AE19-62706E023703}">
-                      <ahyp:hlinkClr xmlns="" xmlns:ahyp="http://schemas.microsoft.com/office/drawing/2018/hyperlinkcolor" xmlns:lc="http://schemas.openxmlformats.org/drawingml/2006/lockedCanvas" val="tx"/>
+                      <ahyp:hlinkClr xmlns:lc="http://schemas.openxmlformats.org/drawingml/2006/lockedCanvas" xmlns:ahyp="http://schemas.microsoft.com/office/drawing/2018/hyperlinkcolor" xmlns="" val="tx"/>
                     </a:ext>
                   </a:extLst>
                 </a:hlinkClick>
@@ -11663,7 +11663,7 @@
                 <a:hlinkClick r:id="rId18">
                   <a:extLst>
                     <a:ext uri="{A12FA001-AC4F-418D-AE19-62706E023703}">
-                      <ahyp:hlinkClr xmlns="" xmlns:ahyp="http://schemas.microsoft.com/office/drawing/2018/hyperlinkcolor" xmlns:lc="http://schemas.openxmlformats.org/drawingml/2006/lockedCanvas" val="tx"/>
+                      <ahyp:hlinkClr xmlns:lc="http://schemas.openxmlformats.org/drawingml/2006/lockedCanvas" xmlns:ahyp="http://schemas.microsoft.com/office/drawing/2018/hyperlinkcolor" xmlns="" val="tx"/>
                     </a:ext>
                   </a:extLst>
                 </a:hlinkClick>
@@ -11693,7 +11693,7 @@
                 <a:hlinkClick r:id="rId19">
                   <a:extLst>
                     <a:ext uri="{A12FA001-AC4F-418D-AE19-62706E023703}">
-                      <ahyp:hlinkClr xmlns="" xmlns:ahyp="http://schemas.microsoft.com/office/drawing/2018/hyperlinkcolor" xmlns:lc="http://schemas.openxmlformats.org/drawingml/2006/lockedCanvas" val="tx"/>
+                      <ahyp:hlinkClr xmlns:lc="http://schemas.openxmlformats.org/drawingml/2006/lockedCanvas" xmlns:ahyp="http://schemas.microsoft.com/office/drawing/2018/hyperlinkcolor" xmlns="" val="tx"/>
                     </a:ext>
                   </a:extLst>
                 </a:hlinkClick>
@@ -11819,7 +11819,7 @@
                 <a:hlinkClick r:id="rId2">
                   <a:extLst>
                     <a:ext uri="{A12FA001-AC4F-418D-AE19-62706E023703}">
-                      <ahyp:hlinkClr xmlns="" xmlns:ahyp="http://schemas.microsoft.com/office/drawing/2018/hyperlinkcolor" xmlns:lc="http://schemas.openxmlformats.org/drawingml/2006/lockedCanvas" val="tx"/>
+                      <ahyp:hlinkClr xmlns:lc="http://schemas.openxmlformats.org/drawingml/2006/lockedCanvas" xmlns:ahyp="http://schemas.microsoft.com/office/drawing/2018/hyperlinkcolor" xmlns="" val="tx"/>
                     </a:ext>
                   </a:extLst>
                 </a:hlinkClick>
@@ -11849,7 +11849,7 @@
                 <a:hlinkClick r:id="rId3">
                   <a:extLst>
                     <a:ext uri="{A12FA001-AC4F-418D-AE19-62706E023703}">
-                      <ahyp:hlinkClr xmlns="" xmlns:ahyp="http://schemas.microsoft.com/office/drawing/2018/hyperlinkcolor" xmlns:lc="http://schemas.openxmlformats.org/drawingml/2006/lockedCanvas" val="tx"/>
+                      <ahyp:hlinkClr xmlns:lc="http://schemas.openxmlformats.org/drawingml/2006/lockedCanvas" xmlns:ahyp="http://schemas.microsoft.com/office/drawing/2018/hyperlinkcolor" xmlns="" val="tx"/>
                     </a:ext>
                   </a:extLst>
                 </a:hlinkClick>
@@ -11879,7 +11879,7 @@
                 <a:hlinkClick r:id="rId4">
                   <a:extLst>
                     <a:ext uri="{A12FA001-AC4F-418D-AE19-62706E023703}">
-                      <ahyp:hlinkClr xmlns="" xmlns:ahyp="http://schemas.microsoft.com/office/drawing/2018/hyperlinkcolor" xmlns:lc="http://schemas.openxmlformats.org/drawingml/2006/lockedCanvas" val="tx"/>
+                      <ahyp:hlinkClr xmlns:lc="http://schemas.openxmlformats.org/drawingml/2006/lockedCanvas" xmlns:ahyp="http://schemas.microsoft.com/office/drawing/2018/hyperlinkcolor" xmlns="" val="tx"/>
                     </a:ext>
                   </a:extLst>
                 </a:hlinkClick>
@@ -11909,7 +11909,7 @@
                 <a:hlinkClick r:id="rId5">
                   <a:extLst>
                     <a:ext uri="{A12FA001-AC4F-418D-AE19-62706E023703}">
-                      <ahyp:hlinkClr xmlns="" xmlns:ahyp="http://schemas.microsoft.com/office/drawing/2018/hyperlinkcolor" xmlns:lc="http://schemas.openxmlformats.org/drawingml/2006/lockedCanvas" val="tx"/>
+                      <ahyp:hlinkClr xmlns:lc="http://schemas.openxmlformats.org/drawingml/2006/lockedCanvas" xmlns:ahyp="http://schemas.microsoft.com/office/drawing/2018/hyperlinkcolor" xmlns="" val="tx"/>
                     </a:ext>
                   </a:extLst>
                 </a:hlinkClick>
@@ -11939,7 +11939,7 @@
                 <a:hlinkClick r:id="rId6">
                   <a:extLst>
                     <a:ext uri="{A12FA001-AC4F-418D-AE19-62706E023703}">
-                      <ahyp:hlinkClr xmlns="" xmlns:ahyp="http://schemas.microsoft.com/office/drawing/2018/hyperlinkcolor" xmlns:lc="http://schemas.openxmlformats.org/drawingml/2006/lockedCanvas" val="tx"/>
+                      <ahyp:hlinkClr xmlns:lc="http://schemas.openxmlformats.org/drawingml/2006/lockedCanvas" xmlns:ahyp="http://schemas.microsoft.com/office/drawing/2018/hyperlinkcolor" xmlns="" val="tx"/>
                     </a:ext>
                   </a:extLst>
                 </a:hlinkClick>
@@ -11969,7 +11969,7 @@
                 <a:hlinkClick r:id="rId7">
                   <a:extLst>
                     <a:ext uri="{A12FA001-AC4F-418D-AE19-62706E023703}">
-                      <ahyp:hlinkClr xmlns="" xmlns:ahyp="http://schemas.microsoft.com/office/drawing/2018/hyperlinkcolor" xmlns:lc="http://schemas.openxmlformats.org/drawingml/2006/lockedCanvas" val="tx"/>
+                      <ahyp:hlinkClr xmlns:lc="http://schemas.openxmlformats.org/drawingml/2006/lockedCanvas" xmlns:ahyp="http://schemas.microsoft.com/office/drawing/2018/hyperlinkcolor" xmlns="" val="tx"/>
                     </a:ext>
                   </a:extLst>
                 </a:hlinkClick>
@@ -11999,7 +11999,7 @@
                 <a:hlinkClick r:id="rId8">
                   <a:extLst>
                     <a:ext uri="{A12FA001-AC4F-418D-AE19-62706E023703}">
-                      <ahyp:hlinkClr xmlns="" xmlns:ahyp="http://schemas.microsoft.com/office/drawing/2018/hyperlinkcolor" xmlns:lc="http://schemas.openxmlformats.org/drawingml/2006/lockedCanvas" val="tx"/>
+                      <ahyp:hlinkClr xmlns:lc="http://schemas.openxmlformats.org/drawingml/2006/lockedCanvas" xmlns:ahyp="http://schemas.microsoft.com/office/drawing/2018/hyperlinkcolor" xmlns="" val="tx"/>
                     </a:ext>
                   </a:extLst>
                 </a:hlinkClick>
@@ -12029,7 +12029,7 @@
                 <a:hlinkClick r:id="rId9">
                   <a:extLst>
                     <a:ext uri="{A12FA001-AC4F-418D-AE19-62706E023703}">
-                      <ahyp:hlinkClr xmlns="" xmlns:ahyp="http://schemas.microsoft.com/office/drawing/2018/hyperlinkcolor" xmlns:lc="http://schemas.openxmlformats.org/drawingml/2006/lockedCanvas" val="tx"/>
+                      <ahyp:hlinkClr xmlns:lc="http://schemas.openxmlformats.org/drawingml/2006/lockedCanvas" xmlns:ahyp="http://schemas.microsoft.com/office/drawing/2018/hyperlinkcolor" xmlns="" val="tx"/>
                     </a:ext>
                   </a:extLst>
                 </a:hlinkClick>
@@ -12059,7 +12059,7 @@
                 <a:hlinkClick r:id="rId10">
                   <a:extLst>
                     <a:ext uri="{A12FA001-AC4F-418D-AE19-62706E023703}">
-                      <ahyp:hlinkClr xmlns="" xmlns:ahyp="http://schemas.microsoft.com/office/drawing/2018/hyperlinkcolor" xmlns:lc="http://schemas.openxmlformats.org/drawingml/2006/lockedCanvas" val="tx"/>
+                      <ahyp:hlinkClr xmlns:lc="http://schemas.openxmlformats.org/drawingml/2006/lockedCanvas" xmlns:ahyp="http://schemas.microsoft.com/office/drawing/2018/hyperlinkcolor" xmlns="" val="tx"/>
                     </a:ext>
                   </a:extLst>
                 </a:hlinkClick>
